--- a/doc/midterm.pptx
+++ b/doc/midterm.pptx
@@ -6,15 +6,16 @@
   </p:sldMasterIdLst>
   <p:sldIdLst>
     <p:sldId id="256" r:id="rId3"/>
-    <p:sldId id="257" r:id="rId4"/>
-    <p:sldId id="258" r:id="rId5"/>
-    <p:sldId id="261" r:id="rId6"/>
-    <p:sldId id="259" r:id="rId7"/>
-    <p:sldId id="262" r:id="rId8"/>
-    <p:sldId id="263" r:id="rId9"/>
-    <p:sldId id="267" r:id="rId10"/>
-    <p:sldId id="260" r:id="rId11"/>
-    <p:sldId id="264" r:id="rId12"/>
+    <p:sldId id="271" r:id="rId4"/>
+    <p:sldId id="257" r:id="rId5"/>
+    <p:sldId id="258" r:id="rId6"/>
+    <p:sldId id="261" r:id="rId7"/>
+    <p:sldId id="259" r:id="rId8"/>
+    <p:sldId id="262" r:id="rId9"/>
+    <p:sldId id="263" r:id="rId10"/>
+    <p:sldId id="267" r:id="rId11"/>
+    <p:sldId id="260" r:id="rId12"/>
+    <p:sldId id="264" r:id="rId13"/>
   </p:sldIdLst>
   <p:sldSz cx="12192000" cy="6858000"/>
   <p:notesSz cx="6858000" cy="9144000"/>
@@ -4447,6 +4448,242 @@
           <a:p>
             <a:r>
               <a:rPr lang="x-none" altLang="en-US"/>
+              <a:t>初始时间安排</a:t>
+            </a:r>
+            <a:endParaRPr lang="x-none" altLang="en-US"/>
+          </a:p>
+        </p:txBody>
+      </p:sp>
+      <p:sp>
+        <p:nvSpPr>
+          <p:cNvPr id="3" name="Content Placeholder 2"/>
+          <p:cNvSpPr>
+            <a:spLocks noGrp="1"/>
+          </p:cNvSpPr>
+          <p:nvPr>
+            <p:ph idx="1"/>
+          </p:nvPr>
+        </p:nvSpPr>
+        <p:spPr/>
+        <p:txBody>
+          <a:bodyPr/>
+          <a:p>
+            <a:pPr>
+              <a:lnSpc>
+                <a:spcPct val="150000"/>
+              </a:lnSpc>
+            </a:pPr>
+            <a:r>
+              <a:rPr lang="en-US" altLang="zh-CN" dirty="0" smtClean="0">
+                <a:sym typeface="+mn-ea"/>
+              </a:rPr>
+              <a:t>3-6</a:t>
+            </a:r>
+            <a:r>
+              <a:rPr lang="zh-CN" altLang="en-US" dirty="0" smtClean="0">
+                <a:sym typeface="+mn-ea"/>
+              </a:rPr>
+              <a:t>周</a:t>
+            </a:r>
+            <a:r>
+              <a:rPr lang="zh-CN" altLang="en-US" dirty="0">
+                <a:sym typeface="+mn-ea"/>
+              </a:rPr>
+              <a:t>：利用</a:t>
+            </a:r>
+            <a:r>
+              <a:rPr lang="en-US" altLang="zh-CN" dirty="0" err="1">
+                <a:sym typeface="+mn-ea"/>
+              </a:rPr>
+              <a:t>lex+yacc</a:t>
+            </a:r>
+            <a:r>
+              <a:rPr lang="zh-CN" altLang="en-US" dirty="0">
+                <a:sym typeface="+mn-ea"/>
+              </a:rPr>
+              <a:t>完成前端工作，生成</a:t>
+            </a:r>
+            <a:r>
+              <a:rPr lang="zh-CN" altLang="en-US" dirty="0" smtClean="0">
+                <a:sym typeface="+mn-ea"/>
+              </a:rPr>
+              <a:t>中间代码</a:t>
+            </a:r>
+            <a:endParaRPr lang="en-US" altLang="zh-CN" dirty="0" smtClean="0"/>
+          </a:p>
+          <a:p>
+            <a:pPr>
+              <a:lnSpc>
+                <a:spcPct val="150000"/>
+              </a:lnSpc>
+            </a:pPr>
+            <a:r>
+              <a:rPr lang="en-US" altLang="zh-CN" dirty="0" smtClean="0">
+                <a:sym typeface="+mn-ea"/>
+              </a:rPr>
+              <a:t>7-8</a:t>
+            </a:r>
+            <a:r>
+              <a:rPr lang="zh-CN" altLang="en-US" dirty="0" smtClean="0">
+                <a:sym typeface="+mn-ea"/>
+              </a:rPr>
+              <a:t>周：完成后端，将</a:t>
+            </a:r>
+            <a:r>
+              <a:rPr lang="zh-CN" altLang="en-US" dirty="0">
+                <a:sym typeface="+mn-ea"/>
+              </a:rPr>
+              <a:t>中间代码转成</a:t>
+            </a:r>
+            <a:r>
+              <a:rPr lang="en-US" altLang="zh-CN" dirty="0" smtClean="0">
+                <a:sym typeface="+mn-ea"/>
+              </a:rPr>
+              <a:t>RISCV</a:t>
+            </a:r>
+            <a:r>
+              <a:rPr lang="zh-CN" altLang="en-US" dirty="0" smtClean="0">
+                <a:sym typeface="+mn-ea"/>
+              </a:rPr>
+              <a:t>汇编</a:t>
+            </a:r>
+            <a:endParaRPr lang="en-US" altLang="zh-CN" dirty="0" smtClean="0"/>
+          </a:p>
+          <a:p>
+            <a:pPr>
+              <a:lnSpc>
+                <a:spcPct val="150000"/>
+              </a:lnSpc>
+            </a:pPr>
+            <a:r>
+              <a:rPr lang="en-US" altLang="zh-CN" dirty="0" smtClean="0">
+                <a:sym typeface="+mn-ea"/>
+              </a:rPr>
+              <a:t>9-13</a:t>
+            </a:r>
+            <a:r>
+              <a:rPr lang="zh-CN" altLang="en-US" dirty="0" smtClean="0">
+                <a:sym typeface="+mn-ea"/>
+              </a:rPr>
+              <a:t>周：</a:t>
+            </a:r>
+            <a:r>
+              <a:rPr lang="zh-CN" altLang="en-US" dirty="0">
+                <a:sym typeface="+mn-ea"/>
+              </a:rPr>
+              <a:t>根据自身完成时的经验，将任务尽量合理</a:t>
+            </a:r>
+            <a:r>
+              <a:rPr lang="zh-CN" altLang="en-US" dirty="0" smtClean="0">
+                <a:sym typeface="+mn-ea"/>
+              </a:rPr>
+              <a:t>分配，模块化</a:t>
+            </a:r>
+            <a:r>
+              <a:rPr lang="zh-CN" altLang="en-US" dirty="0">
+                <a:sym typeface="+mn-ea"/>
+              </a:rPr>
+              <a:t>，实现各</a:t>
+            </a:r>
+            <a:r>
+              <a:rPr lang="zh-CN" altLang="en-US" dirty="0" smtClean="0">
+                <a:sym typeface="+mn-ea"/>
+              </a:rPr>
+              <a:t>阶段工具、评测脚本</a:t>
+            </a:r>
+            <a:endParaRPr lang="en-US" altLang="zh-CN" dirty="0" smtClean="0"/>
+          </a:p>
+          <a:p>
+            <a:pPr>
+              <a:lnSpc>
+                <a:spcPct val="150000"/>
+              </a:lnSpc>
+            </a:pPr>
+            <a:r>
+              <a:rPr lang="en-US" altLang="zh-CN" dirty="0" smtClean="0">
+                <a:sym typeface="+mn-ea"/>
+              </a:rPr>
+              <a:t>14-15</a:t>
+            </a:r>
+            <a:r>
+              <a:rPr lang="zh-CN" altLang="en-US" dirty="0" smtClean="0">
+                <a:sym typeface="+mn-ea"/>
+              </a:rPr>
+              <a:t>周</a:t>
+            </a:r>
+            <a:r>
+              <a:rPr lang="zh-CN" altLang="en-US" dirty="0">
+                <a:sym typeface="+mn-ea"/>
+              </a:rPr>
+              <a:t>：设置扩展内容，与在线评测系统</a:t>
+            </a:r>
+            <a:r>
+              <a:rPr lang="zh-CN" altLang="en-US" dirty="0" smtClean="0">
+                <a:sym typeface="+mn-ea"/>
+              </a:rPr>
+              <a:t>结合</a:t>
+            </a:r>
+            <a:endParaRPr lang="en-US" altLang="zh-CN" dirty="0" smtClean="0"/>
+          </a:p>
+          <a:p>
+            <a:pPr>
+              <a:lnSpc>
+                <a:spcPct val="150000"/>
+              </a:lnSpc>
+            </a:pPr>
+            <a:r>
+              <a:rPr lang="en-US" altLang="zh-CN" dirty="0" smtClean="0">
+                <a:sym typeface="+mn-ea"/>
+              </a:rPr>
+              <a:t>16</a:t>
+            </a:r>
+            <a:r>
+              <a:rPr lang="zh-CN" altLang="en-US" dirty="0" smtClean="0">
+                <a:sym typeface="+mn-ea"/>
+              </a:rPr>
+              <a:t>周：写报告</a:t>
+            </a:r>
+            <a:endParaRPr lang="zh-CN" altLang="en-US" dirty="0"/>
+          </a:p>
+          <a:p>
+            <a:endParaRPr lang="en-US"/>
+          </a:p>
+        </p:txBody>
+      </p:sp>
+    </p:spTree>
+  </p:cSld>
+  <p:clrMapOvr>
+    <a:masterClrMapping/>
+  </p:clrMapOvr>
+</p:sld>
+</file>
+
+<file path=ppt/slides/slide11.xml><?xml version="1.0" encoding="utf-8"?>
+<p:sld xmlns:a="http://schemas.openxmlformats.org/drawingml/2006/main" xmlns:r="http://schemas.openxmlformats.org/officeDocument/2006/relationships" xmlns:p="http://schemas.openxmlformats.org/presentationml/2006/main">
+  <p:cSld>
+    <p:spTree>
+      <p:nvGrpSpPr>
+        <p:cNvPr id="1" name=""/>
+        <p:cNvGrpSpPr/>
+        <p:nvPr/>
+      </p:nvGrpSpPr>
+      <p:grpSpPr/>
+      <p:sp>
+        <p:nvSpPr>
+          <p:cNvPr id="2" name="Title 1"/>
+          <p:cNvSpPr>
+            <a:spLocks noGrp="1"/>
+          </p:cNvSpPr>
+          <p:nvPr>
+            <p:ph type="title"/>
+          </p:nvPr>
+        </p:nvSpPr>
+        <p:spPr/>
+        <p:txBody>
+          <a:bodyPr/>
+          <a:p>
+            <a:r>
+              <a:rPr lang="x-none" altLang="en-US"/>
               <a:t>新的进度安排</a:t>
             </a:r>
             <a:endParaRPr lang="x-none" altLang="en-US"/>
@@ -4615,7 +4852,7 @@
           <a:p>
             <a:r>
               <a:rPr lang="x-none" altLang="en-US"/>
-              <a:t>完成进度</a:t>
+              <a:t>代码获取</a:t>
             </a:r>
             <a:endParaRPr lang="x-none" altLang="en-US"/>
           </a:p>
@@ -4635,65 +4872,46 @@
         <p:txBody>
           <a:bodyPr/>
           <a:p>
-            <a:r>
-              <a:rPr lang="x-none" altLang="en-US"/>
-              <a:t>定义MiniC语法和中间代码格式</a:t>
-            </a:r>
-            <a:endParaRPr lang="x-none" altLang="en-US"/>
-          </a:p>
-          <a:p>
-            <a:pPr lvl="1"/>
-            <a:r>
-              <a:rPr lang="x-none" altLang="en-US" sz="2800"/>
-              <a:t>中间代码选用自定义的三地址码</a:t>
-            </a:r>
-            <a:endParaRPr lang="x-none" altLang="en-US" sz="2800"/>
-          </a:p>
-          <a:p>
-            <a:pPr lvl="1"/>
-            <a:r>
-              <a:rPr lang="x-none" altLang="zh-CN" dirty="0" smtClean="0">
-                <a:sym typeface="+mn-ea"/>
+            <a:pPr marL="0" indent="0">
+              <a:buNone/>
+            </a:pPr>
+            <a:endParaRPr lang="en-US"/>
+          </a:p>
+          <a:p>
+            <a:pPr marL="0" indent="0">
+              <a:buNone/>
+            </a:pPr>
+            <a:endParaRPr lang="en-US"/>
+          </a:p>
+          <a:p>
+            <a:pPr marL="0" indent="0">
+              <a:buNone/>
+            </a:pPr>
+            <a:endParaRPr lang="en-US"/>
+          </a:p>
+          <a:p>
+            <a:pPr marL="0" indent="0" algn="l">
+              <a:buNone/>
+            </a:pPr>
+            <a:r>
+              <a:rPr lang="en-US">
+                <a:hlinkClick r:id="rId1" tooltip="" action="ppaction://hlinkfile"/>
               </a:rPr>
-              <a:t>定义了一套类似编译课程上所讲的三地址码</a:t>
-            </a:r>
-            <a:endParaRPr lang="x-none" altLang="en-US" sz="2800"/>
-          </a:p>
-          <a:p>
-            <a:endParaRPr lang="x-none" altLang="en-US"/>
-          </a:p>
-          <a:p>
-            <a:r>
-              <a:rPr lang="x-none" altLang="en-US"/>
-              <a:t>MiniC前端工作</a:t>
-            </a:r>
-            <a:endParaRPr lang="x-none" altLang="en-US"/>
-          </a:p>
-          <a:p>
-            <a:pPr lvl="1"/>
-            <a:r>
-              <a:rPr lang="x-none" altLang="en-US"/>
-              <a:t>MiniC 转 三地址码</a:t>
-            </a:r>
-            <a:endParaRPr lang="x-none" altLang="en-US"/>
-          </a:p>
-          <a:p>
-            <a:endParaRPr lang="x-none" altLang="en-US"/>
-          </a:p>
-          <a:p>
-            <a:r>
-              <a:rPr lang="x-none" altLang="en-US"/>
-              <a:t>三地址码模拟器</a:t>
-            </a:r>
-            <a:endParaRPr lang="x-none" altLang="en-US"/>
-          </a:p>
-          <a:p>
-            <a:pPr lvl="1"/>
-            <a:r>
-              <a:rPr lang="x-none" altLang="en-US"/>
-              <a:t>解释运行三地址码</a:t>
-            </a:r>
-            <a:endParaRPr lang="x-none" altLang="en-US"/>
+              <a:t>https://github.com/liwyNo/MiniCComp</a:t>
+            </a:r>
+            <a:r>
+              <a:rPr lang="x-none" altLang="en-US">
+                <a:hlinkClick r:id="rId1" tooltip="" action="ppaction://hlinkfile"/>
+              </a:rPr>
+              <a:t>i</a:t>
+            </a:r>
+            <a:r>
+              <a:rPr lang="en-US">
+                <a:hlinkClick r:id="rId1" tooltip="" action="ppaction://hlinkfile"/>
+              </a:rPr>
+              <a:t>ler</a:t>
+            </a:r>
+            <a:endParaRPr lang="en-US"/>
           </a:p>
         </p:txBody>
       </p:sp>
@@ -4725,20 +4943,91 @@
             <p:ph type="title"/>
           </p:nvPr>
         </p:nvSpPr>
-        <p:spPr>
-          <a:xfrm>
-            <a:off x="5303520" y="2891790"/>
-            <a:ext cx="1566545" cy="582930"/>
-          </a:xfrm>
-        </p:spPr>
-        <p:txBody>
-          <a:bodyPr/>
-          <a:p>
-            <a:r>
-              <a:rPr lang="x-none" altLang="en-US" sz="5400"/>
-              <a:t>演示</a:t>
-            </a:r>
-            <a:endParaRPr lang="x-none" altLang="en-US" sz="5400"/>
+        <p:spPr/>
+        <p:txBody>
+          <a:bodyPr/>
+          <a:p>
+            <a:r>
+              <a:rPr lang="x-none" altLang="en-US"/>
+              <a:t>完成进度</a:t>
+            </a:r>
+            <a:endParaRPr lang="x-none" altLang="en-US"/>
+          </a:p>
+        </p:txBody>
+      </p:sp>
+      <p:sp>
+        <p:nvSpPr>
+          <p:cNvPr id="3" name="Content Placeholder 2"/>
+          <p:cNvSpPr>
+            <a:spLocks noGrp="1"/>
+          </p:cNvSpPr>
+          <p:nvPr>
+            <p:ph idx="1"/>
+          </p:nvPr>
+        </p:nvSpPr>
+        <p:spPr/>
+        <p:txBody>
+          <a:bodyPr/>
+          <a:p>
+            <a:r>
+              <a:rPr lang="x-none" altLang="en-US"/>
+              <a:t>定义MiniC语法和中间代码格式</a:t>
+            </a:r>
+            <a:endParaRPr lang="x-none" altLang="en-US"/>
+          </a:p>
+          <a:p>
+            <a:pPr lvl="1"/>
+            <a:r>
+              <a:rPr lang="x-none" altLang="en-US" sz="2800"/>
+              <a:t>中间代码选用自定义的三地址码</a:t>
+            </a:r>
+            <a:endParaRPr lang="x-none" altLang="en-US" sz="2800"/>
+          </a:p>
+          <a:p>
+            <a:pPr lvl="1"/>
+            <a:r>
+              <a:rPr lang="x-none" altLang="zh-CN" dirty="0" smtClean="0">
+                <a:sym typeface="+mn-ea"/>
+              </a:rPr>
+              <a:t>定义了一套类似编译课程上所讲的三地址码</a:t>
+            </a:r>
+            <a:endParaRPr lang="x-none" altLang="en-US" sz="2800"/>
+          </a:p>
+          <a:p>
+            <a:endParaRPr lang="x-none" altLang="en-US"/>
+          </a:p>
+          <a:p>
+            <a:r>
+              <a:rPr lang="x-none" altLang="en-US"/>
+              <a:t>MiniC前端工作</a:t>
+            </a:r>
+            <a:endParaRPr lang="x-none" altLang="en-US"/>
+          </a:p>
+          <a:p>
+            <a:pPr lvl="1"/>
+            <a:r>
+              <a:rPr lang="x-none" altLang="en-US"/>
+              <a:t>MiniC 转 三地址码</a:t>
+            </a:r>
+            <a:endParaRPr lang="x-none" altLang="en-US"/>
+          </a:p>
+          <a:p>
+            <a:endParaRPr lang="x-none" altLang="en-US"/>
+          </a:p>
+          <a:p>
+            <a:r>
+              <a:rPr lang="x-none" altLang="en-US"/>
+              <a:t>三地址码模拟器</a:t>
+            </a:r>
+            <a:endParaRPr lang="x-none" altLang="en-US"/>
+          </a:p>
+          <a:p>
+            <a:pPr lvl="1"/>
+            <a:r>
+              <a:rPr lang="x-none" altLang="en-US"/>
+              <a:t>解释运行三地址码</a:t>
+            </a:r>
+            <a:endParaRPr lang="x-none" altLang="en-US"/>
           </a:p>
         </p:txBody>
       </p:sp>
@@ -4751,6 +5040,51 @@
 </file>
 
 <file path=ppt/slides/slide4.xml><?xml version="1.0" encoding="utf-8"?>
+<p:sld xmlns:a="http://schemas.openxmlformats.org/drawingml/2006/main" xmlns:r="http://schemas.openxmlformats.org/officeDocument/2006/relationships" xmlns:p="http://schemas.openxmlformats.org/presentationml/2006/main">
+  <p:cSld>
+    <p:spTree>
+      <p:nvGrpSpPr>
+        <p:cNvPr id="1" name=""/>
+        <p:cNvGrpSpPr/>
+        <p:nvPr/>
+      </p:nvGrpSpPr>
+      <p:grpSpPr/>
+      <p:sp>
+        <p:nvSpPr>
+          <p:cNvPr id="2" name="Title 1"/>
+          <p:cNvSpPr>
+            <a:spLocks noGrp="1"/>
+          </p:cNvSpPr>
+          <p:nvPr>
+            <p:ph type="title"/>
+          </p:nvPr>
+        </p:nvSpPr>
+        <p:spPr>
+          <a:xfrm>
+            <a:off x="5303520" y="2891790"/>
+            <a:ext cx="1566545" cy="582930"/>
+          </a:xfrm>
+        </p:spPr>
+        <p:txBody>
+          <a:bodyPr/>
+          <a:p>
+            <a:r>
+              <a:rPr lang="x-none" altLang="en-US" sz="5400"/>
+              <a:t>演示</a:t>
+            </a:r>
+            <a:endParaRPr lang="x-none" altLang="en-US" sz="5400"/>
+          </a:p>
+        </p:txBody>
+      </p:sp>
+    </p:spTree>
+  </p:cSld>
+  <p:clrMapOvr>
+    <a:masterClrMapping/>
+  </p:clrMapOvr>
+</p:sld>
+</file>
+
+<file path=ppt/slides/slide5.xml><?xml version="1.0" encoding="utf-8"?>
 <p:sld xmlns:a="http://schemas.openxmlformats.org/drawingml/2006/main" xmlns:r="http://schemas.openxmlformats.org/officeDocument/2006/relationships" xmlns:p="http://schemas.openxmlformats.org/presentationml/2006/main">
   <p:cSld>
     <p:spTree>
@@ -4896,118 +5230,6 @@
 </p:sld>
 </file>
 
-<file path=ppt/slides/slide5.xml><?xml version="1.0" encoding="utf-8"?>
-<p:sld xmlns:a="http://schemas.openxmlformats.org/drawingml/2006/main" xmlns:r="http://schemas.openxmlformats.org/officeDocument/2006/relationships" xmlns:p="http://schemas.openxmlformats.org/presentationml/2006/main">
-  <p:cSld>
-    <p:spTree>
-      <p:nvGrpSpPr>
-        <p:cNvPr id="1" name=""/>
-        <p:cNvGrpSpPr/>
-        <p:nvPr/>
-      </p:nvGrpSpPr>
-      <p:grpSpPr/>
-      <p:sp>
-        <p:nvSpPr>
-          <p:cNvPr id="2" name="Title 1"/>
-          <p:cNvSpPr>
-            <a:spLocks noGrp="1"/>
-          </p:cNvSpPr>
-          <p:nvPr>
-            <p:ph type="title"/>
-          </p:nvPr>
-        </p:nvSpPr>
-        <p:spPr/>
-        <p:txBody>
-          <a:bodyPr/>
-          <a:p>
-            <a:r>
-              <a:rPr lang="x-none" altLang="en-US"/>
-              <a:t>遇到的问题和解决方案</a:t>
-            </a:r>
-            <a:endParaRPr lang="x-none" altLang="en-US"/>
-          </a:p>
-        </p:txBody>
-      </p:sp>
-      <p:sp>
-        <p:nvSpPr>
-          <p:cNvPr id="3" name="Content Placeholder 2"/>
-          <p:cNvSpPr>
-            <a:spLocks noGrp="1"/>
-          </p:cNvSpPr>
-          <p:nvPr>
-            <p:ph idx="1"/>
-          </p:nvPr>
-        </p:nvSpPr>
-        <p:spPr/>
-        <p:txBody>
-          <a:bodyPr/>
-          <a:p>
-            <a:r>
-              <a:rPr lang="x-none" altLang="en-US"/>
-              <a:t>C语言与on-the-fly翻译</a:t>
-            </a:r>
-            <a:r>
-              <a:rPr lang="x-none" altLang="en-US">
-                <a:sym typeface="+mn-ea"/>
-              </a:rPr>
-              <a:t>模式的问题</a:t>
-            </a:r>
-            <a:endParaRPr lang="x-none" altLang="en-US">
-              <a:sym typeface="+mn-ea"/>
-            </a:endParaRPr>
-          </a:p>
-          <a:p>
-            <a:pPr lvl="1"/>
-            <a:r>
-              <a:rPr lang="x-none" altLang="en-US">
-                <a:sym typeface="+mn-ea"/>
-              </a:rPr>
-              <a:t>在C语言里，if括号里的表达式不一定是纯粹的布尔表达式，比如可以写成 if (a+b) 和 if (a=1) </a:t>
-            </a:r>
-            <a:endParaRPr lang="x-none" altLang="en-US">
-              <a:sym typeface="+mn-ea"/>
-            </a:endParaRPr>
-          </a:p>
-          <a:p>
-            <a:pPr lvl="1"/>
-            <a:r>
-              <a:rPr lang="x-none" altLang="en-US"/>
-              <a:t>C语言中实际上不区分布尔表达式与其他表达式</a:t>
-            </a:r>
-            <a:endParaRPr lang="x-none" altLang="en-US"/>
-          </a:p>
-          <a:p>
-            <a:pPr lvl="1"/>
-            <a:r>
-              <a:rPr lang="x-none" altLang="en-US"/>
-              <a:t>所以所有表达式都需要维护truelist,falselist，每规约产生一个expression都需要产出goto，导致需要产出大量无用的goto</a:t>
-            </a:r>
-            <a:r>
-              <a:rPr lang="x-none" altLang="en-US">
-                <a:sym typeface="+mn-ea"/>
-              </a:rPr>
-              <a:t>语句</a:t>
-            </a:r>
-            <a:endParaRPr lang="x-none" altLang="en-US"/>
-          </a:p>
-          <a:p>
-            <a:pPr lvl="1"/>
-            <a:r>
-              <a:rPr lang="x-none" altLang="en-US"/>
-              <a:t>这个问题似乎也没法通过传继承属性的方式解决，因为yacc使用LALR(1)分析，如果每个expression前面都加一个空产生式的话会有大量规约冲突</a:t>
-            </a:r>
-            <a:endParaRPr lang="x-none" altLang="en-US"/>
-          </a:p>
-        </p:txBody>
-      </p:sp>
-    </p:spTree>
-  </p:cSld>
-  <p:clrMapOvr>
-    <a:masterClrMapping/>
-  </p:clrMapOvr>
-</p:sld>
-</file>
-
 <file path=ppt/slides/slide6.xml><?xml version="1.0" encoding="utf-8"?>
 <p:sld xmlns:a="http://schemas.openxmlformats.org/drawingml/2006/main" xmlns:r="http://schemas.openxmlformats.org/officeDocument/2006/relationships" xmlns:p="http://schemas.openxmlformats.org/presentationml/2006/main">
   <p:cSld>
@@ -5054,53 +5276,60 @@
         <p:txBody>
           <a:bodyPr/>
           <a:p>
-            <a:pPr marL="0" indent="0">
-              <a:buNone/>
-            </a:pPr>
             <a:r>
               <a:rPr lang="x-none" altLang="en-US"/>
-              <a:t>解决方案一：使用非on-the-fly翻译模式，把生成的三地址代码保存在变量里。</a:t>
-            </a:r>
-            <a:endParaRPr lang="x-none" altLang="en-US"/>
-          </a:p>
-          <a:p>
-            <a:pPr marL="0" indent="0">
-              <a:buNone/>
-            </a:pPr>
-            <a:endParaRPr lang="x-none" altLang="en-US"/>
-          </a:p>
-          <a:p>
-            <a:pPr marL="0" indent="0">
-              <a:buNone/>
-            </a:pPr>
-            <a:r>
-              <a:rPr lang="x-none" altLang="en-US"/>
-              <a:t>解决方案二</a:t>
-            </a:r>
-            <a:r>
-              <a:rPr lang="x-none" altLang="en-US" sz="1600"/>
-              <a:t>(实际</a:t>
-            </a:r>
-            <a:r>
-              <a:rPr lang="x-none" altLang="en-US" sz="1600">
+              <a:t>C语言与on-the-fly翻译</a:t>
+            </a:r>
+            <a:r>
+              <a:rPr lang="x-none" altLang="en-US">
                 <a:sym typeface="+mn-ea"/>
               </a:rPr>
-              <a:t>采用</a:t>
-            </a:r>
-            <a:r>
-              <a:rPr lang="x-none" altLang="en-US" sz="1600"/>
-              <a:t>)</a:t>
-            </a:r>
+              <a:t>模式的问题</a:t>
+            </a:r>
+            <a:endParaRPr lang="x-none" altLang="en-US">
+              <a:sym typeface="+mn-ea"/>
+            </a:endParaRPr>
+          </a:p>
+          <a:p>
+            <a:pPr lvl="1"/>
+            <a:r>
+              <a:rPr lang="x-none" altLang="en-US">
+                <a:sym typeface="+mn-ea"/>
+              </a:rPr>
+              <a:t>在C语言里，if括号里的表达式不一定是纯粹的布尔表达式，比如可以写成 if (a+b) 和 if (a=1) </a:t>
+            </a:r>
+            <a:endParaRPr lang="x-none" altLang="en-US">
+              <a:sym typeface="+mn-ea"/>
+            </a:endParaRPr>
+          </a:p>
+          <a:p>
+            <a:pPr lvl="1"/>
             <a:r>
               <a:rPr lang="x-none" altLang="en-US"/>
-              <a:t>：仍用on-the-fly翻译模式，但不使用回填技术。先计算表达式的值，然后再判断。</a:t>
+              <a:t>C语言中实际上不区分布尔表达式与其他表达式</a:t>
             </a:r>
             <a:endParaRPr lang="x-none" altLang="en-US"/>
           </a:p>
           <a:p>
-            <a:pPr marL="0" indent="0">
-              <a:buNone/>
-            </a:pPr>
+            <a:pPr lvl="1"/>
+            <a:r>
+              <a:rPr lang="x-none" altLang="en-US"/>
+              <a:t>所以所有表达式都需要维护truelist,falselist，每规约产生一个expression都需要产出goto，导致需要产出大量无用的goto</a:t>
+            </a:r>
+            <a:r>
+              <a:rPr lang="x-none" altLang="en-US">
+                <a:sym typeface="+mn-ea"/>
+              </a:rPr>
+              <a:t>语句</a:t>
+            </a:r>
+            <a:endParaRPr lang="x-none" altLang="en-US"/>
+          </a:p>
+          <a:p>
+            <a:pPr lvl="1"/>
+            <a:r>
+              <a:rPr lang="x-none" altLang="en-US"/>
+              <a:t>这个问题似乎也没法通过传继承属性的方式解决，因为yacc使用LALR(1)分析，如果每个expression前面都加一个空产生式的话会有大量规约冲突</a:t>
+            </a:r>
             <a:endParaRPr lang="x-none" altLang="en-US"/>
           </a:p>
         </p:txBody>
@@ -5139,7 +5368,7 @@
           <a:p>
             <a:r>
               <a:rPr lang="x-none" altLang="en-US"/>
-              <a:t>尚未解决的问题</a:t>
+              <a:t>遇到的问题和解决方案</a:t>
             </a:r>
             <a:endParaRPr lang="x-none" altLang="en-US"/>
           </a:p>
@@ -5159,44 +5388,53 @@
         <p:txBody>
           <a:bodyPr/>
           <a:p>
+            <a:pPr marL="0" indent="0">
+              <a:buNone/>
+            </a:pPr>
             <a:r>
               <a:rPr lang="x-none" altLang="en-US"/>
-              <a:t>前端的一些bug</a:t>
+              <a:t>解决方案一：使用非on-the-fly翻译模式，把生成的三地址代码保存在变量里。</a:t>
             </a:r>
             <a:endParaRPr lang="x-none" altLang="en-US"/>
           </a:p>
           <a:p>
-            <a:pPr lvl="1"/>
-            <a:r>
-              <a:rPr lang="x-none" altLang="en-US">
+            <a:pPr marL="0" indent="0">
+              <a:buNone/>
+            </a:pPr>
+            <a:endParaRPr lang="x-none" altLang="en-US"/>
+          </a:p>
+          <a:p>
+            <a:pPr marL="0" indent="0">
+              <a:buNone/>
+            </a:pPr>
+            <a:r>
+              <a:rPr lang="x-none" altLang="en-US"/>
+              <a:t>解决方案二</a:t>
+            </a:r>
+            <a:r>
+              <a:rPr lang="x-none" altLang="en-US" sz="1600"/>
+              <a:t>(实际</a:t>
+            </a:r>
+            <a:r>
+              <a:rPr lang="x-none" altLang="en-US" sz="1600">
                 <a:sym typeface="+mn-ea"/>
               </a:rPr>
-              <a:t>不太容易处理的C语法</a:t>
-            </a:r>
-            <a:endParaRPr lang="x-none" altLang="en-US">
-              <a:sym typeface="+mn-ea"/>
-            </a:endParaRPr>
-          </a:p>
-          <a:p>
-            <a:pPr lvl="1"/>
+              <a:t>采用</a:t>
+            </a:r>
+            <a:r>
+              <a:rPr lang="x-none" altLang="en-US" sz="1600"/>
+              <a:t>)</a:t>
+            </a:r>
             <a:r>
               <a:rPr lang="x-none" altLang="en-US"/>
-              <a:t>部分const语句和指针相关的翻译</a:t>
+              <a:t>：仍用on-the-fly翻译模式，但不使用回填技术。先计算表达式的值，然后再判断。</a:t>
             </a:r>
             <a:endParaRPr lang="x-none" altLang="en-US"/>
           </a:p>
           <a:p>
-            <a:pPr lvl="1"/>
-            <a:endParaRPr lang="x-none" altLang="en-US"/>
-          </a:p>
-          <a:p>
-            <a:r>
-              <a:rPr lang="x-none" altLang="en-US"/>
-              <a:t>三地址码模拟器的一些bug</a:t>
-            </a:r>
-            <a:endParaRPr lang="x-none" altLang="en-US"/>
-          </a:p>
-          <a:p>
+            <a:pPr marL="0" indent="0">
+              <a:buNone/>
+            </a:pPr>
             <a:endParaRPr lang="x-none" altLang="en-US"/>
           </a:p>
         </p:txBody>
@@ -5235,7 +5473,7 @@
           <a:p>
             <a:r>
               <a:rPr lang="x-none" altLang="en-US"/>
-              <a:t>工作目的</a:t>
+              <a:t>尚未解决的问题</a:t>
             </a:r>
             <a:endParaRPr lang="x-none" altLang="en-US"/>
           </a:p>
@@ -5251,70 +5489,71 @@
             <p:ph idx="1"/>
           </p:nvPr>
         </p:nvSpPr>
-        <p:spPr/>
-        <p:txBody>
-          <a:bodyPr/>
-          <a:p>
-            <a:pPr>
-              <a:lnSpc>
-                <a:spcPct val="160000"/>
-              </a:lnSpc>
-            </a:pPr>
-            <a:r>
-              <a:rPr lang="zh-CN" altLang="en-US" dirty="0" smtClean="0">
+        <p:spPr>
+          <a:xfrm>
+            <a:off x="609600" y="1193800"/>
+            <a:ext cx="10972800" cy="4953000"/>
+          </a:xfrm>
+        </p:spPr>
+        <p:txBody>
+          <a:bodyPr/>
+          <a:p>
+            <a:r>
+              <a:rPr lang="x-none" altLang="en-US"/>
+              <a:t>前端的一些bug</a:t>
+            </a:r>
+            <a:endParaRPr lang="x-none" altLang="en-US"/>
+          </a:p>
+          <a:p>
+            <a:pPr lvl="1"/>
+            <a:r>
+              <a:rPr lang="x-none" altLang="en-US">
                 <a:sym typeface="+mn-ea"/>
               </a:rPr>
-              <a:t>根据现行的正课教学进度，重新合理的分配课程项目任务。</a:t>
-            </a:r>
-            <a:endParaRPr lang="zh-CN" altLang="en-US" dirty="0" smtClean="0">
+              <a:t>不太容易处理的C语法</a:t>
+            </a:r>
+            <a:endParaRPr lang="x-none" altLang="en-US">
               <a:sym typeface="+mn-ea"/>
             </a:endParaRPr>
           </a:p>
           <a:p>
-            <a:pPr lvl="1">
-              <a:lnSpc>
-                <a:spcPct val="160000"/>
-              </a:lnSpc>
-            </a:pPr>
-            <a:r>
-              <a:rPr lang="x-none" altLang="zh-CN" sz="2800" dirty="0" smtClean="0">
+            <a:pPr lvl="1"/>
+            <a:r>
+              <a:rPr lang="x-none" altLang="en-US"/>
+              <a:t>部分指针和</a:t>
+            </a:r>
+            <a:r>
+              <a:rPr lang="x-none" altLang="en-US">
                 <a:sym typeface="+mn-ea"/>
               </a:rPr>
-              <a:t>MiniC语法比MiniJava语法更多样化，加大了学生前端的工作量。</a:t>
-            </a:r>
-            <a:endParaRPr lang="x-none" altLang="zh-CN" sz="2800" dirty="0" smtClean="0">
-              <a:sym typeface="+mn-ea"/>
-            </a:endParaRPr>
-          </a:p>
-          <a:p>
-            <a:pPr lvl="1">
-              <a:lnSpc>
-                <a:spcPct val="160000"/>
-              </a:lnSpc>
-            </a:pPr>
-            <a:r>
-              <a:rPr lang="x-none" altLang="zh-CN" sz="2800" dirty="0" smtClean="0">
-                <a:sym typeface="+mn-ea"/>
-              </a:rPr>
-              <a:t>提供测试程序，简化翻译流程，减少后端工作量。</a:t>
-            </a:r>
-            <a:endParaRPr lang="x-none" altLang="zh-CN" sz="2800" dirty="0" smtClean="0">
-              <a:sym typeface="+mn-ea"/>
-            </a:endParaRPr>
-          </a:p>
-          <a:p>
-            <a:pPr>
-              <a:lnSpc>
-                <a:spcPct val="160000"/>
-              </a:lnSpc>
-            </a:pPr>
-            <a:r>
-              <a:rPr lang="zh-CN" altLang="en-US" dirty="0" smtClean="0">
-                <a:sym typeface="+mn-ea"/>
-              </a:rPr>
-              <a:t>将任务模块化，单独对某一阶段知识点进行实践测试，避免项目前面遗留问题对后期进度的影响。</a:t>
-            </a:r>
-            <a:endParaRPr lang="en-US"/>
+              <a:t>const语句</a:t>
+            </a:r>
+            <a:r>
+              <a:rPr lang="x-none" altLang="en-US"/>
+              <a:t>相关的翻译</a:t>
+            </a:r>
+            <a:endParaRPr lang="x-none" altLang="en-US"/>
+          </a:p>
+          <a:p>
+            <a:pPr lvl="1"/>
+            <a:endParaRPr lang="x-none" altLang="en-US"/>
+          </a:p>
+          <a:p>
+            <a:r>
+              <a:rPr lang="x-none" altLang="en-US"/>
+              <a:t>三地址码模拟器的一些bug</a:t>
+            </a:r>
+            <a:endParaRPr lang="x-none" altLang="en-US"/>
+          </a:p>
+          <a:p>
+            <a:endParaRPr lang="x-none" altLang="en-US"/>
+          </a:p>
+          <a:p>
+            <a:r>
+              <a:rPr lang="x-none" altLang="en-US"/>
+              <a:t>C语言类型太多，类型检查繁琐</a:t>
+            </a:r>
+            <a:endParaRPr lang="x-none" altLang="en-US"/>
           </a:p>
         </p:txBody>
       </p:sp>
@@ -5352,7 +5591,7 @@
           <a:p>
             <a:r>
               <a:rPr lang="x-none" altLang="en-US"/>
-              <a:t>初始时间安排</a:t>
+              <a:t>工作目的</a:t>
             </a:r>
             <a:endParaRPr lang="x-none" altLang="en-US"/>
           </a:p>
@@ -5374,182 +5613,63 @@
           <a:p>
             <a:pPr>
               <a:lnSpc>
-                <a:spcPct val="150000"/>
+                <a:spcPct val="160000"/>
               </a:lnSpc>
             </a:pPr>
-            <a:r>
-              <a:rPr lang="en-US" altLang="zh-CN" dirty="0" smtClean="0">
-                <a:sym typeface="+mn-ea"/>
-              </a:rPr>
-              <a:t>3-6</a:t>
-            </a:r>
             <a:r>
               <a:rPr lang="zh-CN" altLang="en-US" dirty="0" smtClean="0">
                 <a:sym typeface="+mn-ea"/>
               </a:rPr>
-              <a:t>周</a:t>
-            </a:r>
-            <a:r>
-              <a:rPr lang="zh-CN" altLang="en-US" dirty="0">
+              <a:t>根据现行的正课教学进度，重新合理的分配课程项目任务。</a:t>
+            </a:r>
+            <a:endParaRPr lang="zh-CN" altLang="en-US" dirty="0" smtClean="0">
+              <a:sym typeface="+mn-ea"/>
+            </a:endParaRPr>
+          </a:p>
+          <a:p>
+            <a:pPr lvl="1">
+              <a:lnSpc>
+                <a:spcPct val="160000"/>
+              </a:lnSpc>
+            </a:pPr>
+            <a:r>
+              <a:rPr lang="x-none" altLang="zh-CN" sz="2800" dirty="0" smtClean="0">
                 <a:sym typeface="+mn-ea"/>
               </a:rPr>
-              <a:t>：利用</a:t>
-            </a:r>
-            <a:r>
-              <a:rPr lang="en-US" altLang="zh-CN" dirty="0" err="1">
+              <a:t>MiniC语法比MiniJava语法更多样化，加大了学生前端的工作量。</a:t>
+            </a:r>
+            <a:endParaRPr lang="x-none" altLang="zh-CN" sz="2800" dirty="0" smtClean="0">
+              <a:sym typeface="+mn-ea"/>
+            </a:endParaRPr>
+          </a:p>
+          <a:p>
+            <a:pPr lvl="1">
+              <a:lnSpc>
+                <a:spcPct val="160000"/>
+              </a:lnSpc>
+            </a:pPr>
+            <a:r>
+              <a:rPr lang="x-none" altLang="zh-CN" sz="2800" dirty="0" smtClean="0">
                 <a:sym typeface="+mn-ea"/>
               </a:rPr>
-              <a:t>lex+yacc</a:t>
-            </a:r>
-            <a:r>
-              <a:rPr lang="zh-CN" altLang="en-US" dirty="0">
-                <a:sym typeface="+mn-ea"/>
-              </a:rPr>
-              <a:t>完成前端工作，生成</a:t>
-            </a:r>
+              <a:t>提供测试程序，简化翻译流程，减少后端工作量。</a:t>
+            </a:r>
+            <a:endParaRPr lang="x-none" altLang="zh-CN" sz="2800" dirty="0" smtClean="0">
+              <a:sym typeface="+mn-ea"/>
+            </a:endParaRPr>
+          </a:p>
+          <a:p>
+            <a:pPr>
+              <a:lnSpc>
+                <a:spcPct val="160000"/>
+              </a:lnSpc>
+            </a:pPr>
             <a:r>
               <a:rPr lang="zh-CN" altLang="en-US" dirty="0" smtClean="0">
                 <a:sym typeface="+mn-ea"/>
               </a:rPr>
-              <a:t>中间代码</a:t>
-            </a:r>
-            <a:endParaRPr lang="en-US" altLang="zh-CN" dirty="0" smtClean="0"/>
-          </a:p>
-          <a:p>
-            <a:pPr>
-              <a:lnSpc>
-                <a:spcPct val="150000"/>
-              </a:lnSpc>
-            </a:pPr>
-            <a:r>
-              <a:rPr lang="en-US" altLang="zh-CN" dirty="0" smtClean="0">
-                <a:sym typeface="+mn-ea"/>
-              </a:rPr>
-              <a:t>7-8</a:t>
-            </a:r>
-            <a:r>
-              <a:rPr lang="zh-CN" altLang="en-US" dirty="0" smtClean="0">
-                <a:sym typeface="+mn-ea"/>
-              </a:rPr>
-              <a:t>周：完成后端，将</a:t>
-            </a:r>
-            <a:r>
-              <a:rPr lang="zh-CN" altLang="en-US" dirty="0">
-                <a:sym typeface="+mn-ea"/>
-              </a:rPr>
-              <a:t>中间代码转成</a:t>
-            </a:r>
-            <a:r>
-              <a:rPr lang="en-US" altLang="zh-CN" dirty="0" smtClean="0">
-                <a:sym typeface="+mn-ea"/>
-              </a:rPr>
-              <a:t>RISCV</a:t>
-            </a:r>
-            <a:r>
-              <a:rPr lang="zh-CN" altLang="en-US" dirty="0" smtClean="0">
-                <a:sym typeface="+mn-ea"/>
-              </a:rPr>
-              <a:t>汇编</a:t>
-            </a:r>
-            <a:endParaRPr lang="en-US" altLang="zh-CN" dirty="0" smtClean="0"/>
-          </a:p>
-          <a:p>
-            <a:pPr>
-              <a:lnSpc>
-                <a:spcPct val="150000"/>
-              </a:lnSpc>
-            </a:pPr>
-            <a:r>
-              <a:rPr lang="en-US" altLang="zh-CN" dirty="0" smtClean="0">
-                <a:sym typeface="+mn-ea"/>
-              </a:rPr>
-              <a:t>9-13</a:t>
-            </a:r>
-            <a:r>
-              <a:rPr lang="zh-CN" altLang="en-US" dirty="0" smtClean="0">
-                <a:sym typeface="+mn-ea"/>
-              </a:rPr>
-              <a:t>周：</a:t>
-            </a:r>
-            <a:r>
-              <a:rPr lang="zh-CN" altLang="en-US" dirty="0">
-                <a:sym typeface="+mn-ea"/>
-              </a:rPr>
-              <a:t>根据自身完成时的经验，将任务尽量合理</a:t>
-            </a:r>
-            <a:r>
-              <a:rPr lang="zh-CN" altLang="en-US" dirty="0" smtClean="0">
-                <a:sym typeface="+mn-ea"/>
-              </a:rPr>
-              <a:t>分配，模块化</a:t>
-            </a:r>
-            <a:r>
-              <a:rPr lang="zh-CN" altLang="en-US" dirty="0">
-                <a:sym typeface="+mn-ea"/>
-              </a:rPr>
-              <a:t>，实现各</a:t>
-            </a:r>
-            <a:r>
-              <a:rPr lang="zh-CN" altLang="en-US" dirty="0" smtClean="0">
-                <a:sym typeface="+mn-ea"/>
-              </a:rPr>
-              <a:t>阶段工具、评测脚本</a:t>
-            </a:r>
-            <a:endParaRPr lang="en-US" altLang="zh-CN" dirty="0" smtClean="0"/>
-          </a:p>
-          <a:p>
-            <a:pPr>
-              <a:lnSpc>
-                <a:spcPct val="150000"/>
-              </a:lnSpc>
-            </a:pPr>
-            <a:r>
-              <a:rPr lang="en-US" altLang="zh-CN" dirty="0" smtClean="0">
-                <a:sym typeface="+mn-ea"/>
-              </a:rPr>
-              <a:t>14-15</a:t>
-            </a:r>
-            <a:r>
-              <a:rPr lang="zh-CN" altLang="en-US" dirty="0" smtClean="0">
-                <a:sym typeface="+mn-ea"/>
-              </a:rPr>
-              <a:t>周</a:t>
-            </a:r>
-            <a:r>
-              <a:rPr lang="zh-CN" altLang="en-US" dirty="0">
-                <a:sym typeface="+mn-ea"/>
-              </a:rPr>
-              <a:t>：设置扩展内容，与在线评测系统</a:t>
-            </a:r>
-            <a:r>
-              <a:rPr lang="zh-CN" altLang="en-US" dirty="0" smtClean="0">
-                <a:sym typeface="+mn-ea"/>
-              </a:rPr>
-              <a:t>结合</a:t>
-            </a:r>
-            <a:endParaRPr lang="en-US" altLang="zh-CN" dirty="0" smtClean="0"/>
-          </a:p>
-          <a:p>
-            <a:pPr>
-              <a:lnSpc>
-                <a:spcPct val="150000"/>
-              </a:lnSpc>
-            </a:pPr>
-            <a:r>
-              <a:rPr lang="en-US" altLang="zh-CN" dirty="0" smtClean="0">
-                <a:sym typeface="+mn-ea"/>
-              </a:rPr>
-              <a:t>16</a:t>
-            </a:r>
-            <a:r>
-              <a:rPr lang="zh-CN" altLang="en-US" dirty="0" smtClean="0">
-                <a:sym typeface="+mn-ea"/>
-              </a:rPr>
-              <a:t>周：写报告</a:t>
-            </a:r>
-            <a:endParaRPr lang="zh-CN" altLang="en-US" dirty="0"/>
-          </a:p>
-          <a:p>
+              <a:t>将任务模块化，单独对某一阶段知识点进行实践测试，避免项目前面遗留问题对后期进度的影响。</a:t>
+            </a:r>
             <a:endParaRPr lang="en-US"/>
           </a:p>
         </p:txBody>

--- a/doc/midterm.pptx
+++ b/doc/midterm.pptx
@@ -9,13 +9,14 @@
     <p:sldId id="271" r:id="rId4"/>
     <p:sldId id="257" r:id="rId5"/>
     <p:sldId id="258" r:id="rId6"/>
-    <p:sldId id="261" r:id="rId7"/>
-    <p:sldId id="259" r:id="rId8"/>
-    <p:sldId id="262" r:id="rId9"/>
-    <p:sldId id="263" r:id="rId10"/>
-    <p:sldId id="267" r:id="rId11"/>
-    <p:sldId id="260" r:id="rId12"/>
-    <p:sldId id="264" r:id="rId13"/>
+    <p:sldId id="281" r:id="rId7"/>
+    <p:sldId id="261" r:id="rId8"/>
+    <p:sldId id="259" r:id="rId9"/>
+    <p:sldId id="262" r:id="rId10"/>
+    <p:sldId id="263" r:id="rId11"/>
+    <p:sldId id="267" r:id="rId12"/>
+    <p:sldId id="260" r:id="rId13"/>
+    <p:sldId id="264" r:id="rId14"/>
   </p:sldIdLst>
   <p:sldSz cx="12192000" cy="6858000"/>
   <p:notesSz cx="6858000" cy="9144000"/>
@@ -4448,7 +4449,7 @@
           <a:p>
             <a:r>
               <a:rPr lang="x-none" altLang="en-US"/>
-              <a:t>初始时间安排</a:t>
+              <a:t>工作目的</a:t>
             </a:r>
             <a:endParaRPr lang="x-none" altLang="en-US"/>
           </a:p>
@@ -4470,182 +4471,63 @@
           <a:p>
             <a:pPr>
               <a:lnSpc>
-                <a:spcPct val="150000"/>
+                <a:spcPct val="160000"/>
               </a:lnSpc>
             </a:pPr>
-            <a:r>
-              <a:rPr lang="en-US" altLang="zh-CN" dirty="0" smtClean="0">
-                <a:sym typeface="+mn-ea"/>
-              </a:rPr>
-              <a:t>3-6</a:t>
-            </a:r>
             <a:r>
               <a:rPr lang="zh-CN" altLang="en-US" dirty="0" smtClean="0">
                 <a:sym typeface="+mn-ea"/>
               </a:rPr>
-              <a:t>周</a:t>
-            </a:r>
-            <a:r>
-              <a:rPr lang="zh-CN" altLang="en-US" dirty="0">
+              <a:t>根据现行的正课教学进度，重新合理的分配课程项目任务。</a:t>
+            </a:r>
+            <a:endParaRPr lang="zh-CN" altLang="en-US" dirty="0" smtClean="0">
+              <a:sym typeface="+mn-ea"/>
+            </a:endParaRPr>
+          </a:p>
+          <a:p>
+            <a:pPr lvl="1">
+              <a:lnSpc>
+                <a:spcPct val="160000"/>
+              </a:lnSpc>
+            </a:pPr>
+            <a:r>
+              <a:rPr lang="x-none" altLang="zh-CN" sz="2800" dirty="0" smtClean="0">
                 <a:sym typeface="+mn-ea"/>
               </a:rPr>
-              <a:t>：利用</a:t>
-            </a:r>
-            <a:r>
-              <a:rPr lang="en-US" altLang="zh-CN" dirty="0" err="1">
+              <a:t>MiniC语法比MiniJava语法更多样化，加大了学生前端的工作量。</a:t>
+            </a:r>
+            <a:endParaRPr lang="x-none" altLang="zh-CN" sz="2800" dirty="0" smtClean="0">
+              <a:sym typeface="+mn-ea"/>
+            </a:endParaRPr>
+          </a:p>
+          <a:p>
+            <a:pPr lvl="1">
+              <a:lnSpc>
+                <a:spcPct val="160000"/>
+              </a:lnSpc>
+            </a:pPr>
+            <a:r>
+              <a:rPr lang="x-none" altLang="zh-CN" sz="2800" dirty="0" smtClean="0">
                 <a:sym typeface="+mn-ea"/>
               </a:rPr>
-              <a:t>lex+yacc</a:t>
-            </a:r>
-            <a:r>
-              <a:rPr lang="zh-CN" altLang="en-US" dirty="0">
-                <a:sym typeface="+mn-ea"/>
-              </a:rPr>
-              <a:t>完成前端工作，生成</a:t>
-            </a:r>
+              <a:t>提供测试程序，简化翻译流程，减少后端工作量。</a:t>
+            </a:r>
+            <a:endParaRPr lang="x-none" altLang="zh-CN" sz="2800" dirty="0" smtClean="0">
+              <a:sym typeface="+mn-ea"/>
+            </a:endParaRPr>
+          </a:p>
+          <a:p>
+            <a:pPr>
+              <a:lnSpc>
+                <a:spcPct val="160000"/>
+              </a:lnSpc>
+            </a:pPr>
             <a:r>
               <a:rPr lang="zh-CN" altLang="en-US" dirty="0" smtClean="0">
                 <a:sym typeface="+mn-ea"/>
               </a:rPr>
-              <a:t>中间代码</a:t>
-            </a:r>
-            <a:endParaRPr lang="en-US" altLang="zh-CN" dirty="0" smtClean="0"/>
-          </a:p>
-          <a:p>
-            <a:pPr>
-              <a:lnSpc>
-                <a:spcPct val="150000"/>
-              </a:lnSpc>
-            </a:pPr>
-            <a:r>
-              <a:rPr lang="en-US" altLang="zh-CN" dirty="0" smtClean="0">
-                <a:sym typeface="+mn-ea"/>
-              </a:rPr>
-              <a:t>7-8</a:t>
-            </a:r>
-            <a:r>
-              <a:rPr lang="zh-CN" altLang="en-US" dirty="0" smtClean="0">
-                <a:sym typeface="+mn-ea"/>
-              </a:rPr>
-              <a:t>周：完成后端，将</a:t>
-            </a:r>
-            <a:r>
-              <a:rPr lang="zh-CN" altLang="en-US" dirty="0">
-                <a:sym typeface="+mn-ea"/>
-              </a:rPr>
-              <a:t>中间代码转成</a:t>
-            </a:r>
-            <a:r>
-              <a:rPr lang="en-US" altLang="zh-CN" dirty="0" smtClean="0">
-                <a:sym typeface="+mn-ea"/>
-              </a:rPr>
-              <a:t>RISCV</a:t>
-            </a:r>
-            <a:r>
-              <a:rPr lang="zh-CN" altLang="en-US" dirty="0" smtClean="0">
-                <a:sym typeface="+mn-ea"/>
-              </a:rPr>
-              <a:t>汇编</a:t>
-            </a:r>
-            <a:endParaRPr lang="en-US" altLang="zh-CN" dirty="0" smtClean="0"/>
-          </a:p>
-          <a:p>
-            <a:pPr>
-              <a:lnSpc>
-                <a:spcPct val="150000"/>
-              </a:lnSpc>
-            </a:pPr>
-            <a:r>
-              <a:rPr lang="en-US" altLang="zh-CN" dirty="0" smtClean="0">
-                <a:sym typeface="+mn-ea"/>
-              </a:rPr>
-              <a:t>9-13</a:t>
-            </a:r>
-            <a:r>
-              <a:rPr lang="zh-CN" altLang="en-US" dirty="0" smtClean="0">
-                <a:sym typeface="+mn-ea"/>
-              </a:rPr>
-              <a:t>周：</a:t>
-            </a:r>
-            <a:r>
-              <a:rPr lang="zh-CN" altLang="en-US" dirty="0">
-                <a:sym typeface="+mn-ea"/>
-              </a:rPr>
-              <a:t>根据自身完成时的经验，将任务尽量合理</a:t>
-            </a:r>
-            <a:r>
-              <a:rPr lang="zh-CN" altLang="en-US" dirty="0" smtClean="0">
-                <a:sym typeface="+mn-ea"/>
-              </a:rPr>
-              <a:t>分配，模块化</a:t>
-            </a:r>
-            <a:r>
-              <a:rPr lang="zh-CN" altLang="en-US" dirty="0">
-                <a:sym typeface="+mn-ea"/>
-              </a:rPr>
-              <a:t>，实现各</a:t>
-            </a:r>
-            <a:r>
-              <a:rPr lang="zh-CN" altLang="en-US" dirty="0" smtClean="0">
-                <a:sym typeface="+mn-ea"/>
-              </a:rPr>
-              <a:t>阶段工具、评测脚本</a:t>
-            </a:r>
-            <a:endParaRPr lang="en-US" altLang="zh-CN" dirty="0" smtClean="0"/>
-          </a:p>
-          <a:p>
-            <a:pPr>
-              <a:lnSpc>
-                <a:spcPct val="150000"/>
-              </a:lnSpc>
-            </a:pPr>
-            <a:r>
-              <a:rPr lang="en-US" altLang="zh-CN" dirty="0" smtClean="0">
-                <a:sym typeface="+mn-ea"/>
-              </a:rPr>
-              <a:t>14-15</a:t>
-            </a:r>
-            <a:r>
-              <a:rPr lang="zh-CN" altLang="en-US" dirty="0" smtClean="0">
-                <a:sym typeface="+mn-ea"/>
-              </a:rPr>
-              <a:t>周</a:t>
-            </a:r>
-            <a:r>
-              <a:rPr lang="zh-CN" altLang="en-US" dirty="0">
-                <a:sym typeface="+mn-ea"/>
-              </a:rPr>
-              <a:t>：设置扩展内容，与在线评测系统</a:t>
-            </a:r>
-            <a:r>
-              <a:rPr lang="zh-CN" altLang="en-US" dirty="0" smtClean="0">
-                <a:sym typeface="+mn-ea"/>
-              </a:rPr>
-              <a:t>结合</a:t>
-            </a:r>
-            <a:endParaRPr lang="en-US" altLang="zh-CN" dirty="0" smtClean="0"/>
-          </a:p>
-          <a:p>
-            <a:pPr>
-              <a:lnSpc>
-                <a:spcPct val="150000"/>
-              </a:lnSpc>
-            </a:pPr>
-            <a:r>
-              <a:rPr lang="en-US" altLang="zh-CN" dirty="0" smtClean="0">
-                <a:sym typeface="+mn-ea"/>
-              </a:rPr>
-              <a:t>16</a:t>
-            </a:r>
-            <a:r>
-              <a:rPr lang="zh-CN" altLang="en-US" dirty="0" smtClean="0">
-                <a:sym typeface="+mn-ea"/>
-              </a:rPr>
-              <a:t>周：写报告</a:t>
-            </a:r>
-            <a:endParaRPr lang="zh-CN" altLang="en-US" dirty="0"/>
-          </a:p>
-          <a:p>
+              <a:t>将任务模块化，单独对某一阶段知识点进行实践测试，避免项目前面遗留问题对后期进度的影响。</a:t>
+            </a:r>
             <a:endParaRPr lang="en-US"/>
           </a:p>
         </p:txBody>
@@ -4684,6 +4566,242 @@
           <a:p>
             <a:r>
               <a:rPr lang="x-none" altLang="en-US"/>
+              <a:t>初始时间安排</a:t>
+            </a:r>
+            <a:endParaRPr lang="x-none" altLang="en-US"/>
+          </a:p>
+        </p:txBody>
+      </p:sp>
+      <p:sp>
+        <p:nvSpPr>
+          <p:cNvPr id="3" name="Content Placeholder 2"/>
+          <p:cNvSpPr>
+            <a:spLocks noGrp="1"/>
+          </p:cNvSpPr>
+          <p:nvPr>
+            <p:ph idx="1"/>
+          </p:nvPr>
+        </p:nvSpPr>
+        <p:spPr/>
+        <p:txBody>
+          <a:bodyPr/>
+          <a:p>
+            <a:pPr>
+              <a:lnSpc>
+                <a:spcPct val="150000"/>
+              </a:lnSpc>
+            </a:pPr>
+            <a:r>
+              <a:rPr lang="en-US" altLang="zh-CN" dirty="0" smtClean="0">
+                <a:sym typeface="+mn-ea"/>
+              </a:rPr>
+              <a:t>3-6</a:t>
+            </a:r>
+            <a:r>
+              <a:rPr lang="zh-CN" altLang="en-US" dirty="0" smtClean="0">
+                <a:sym typeface="+mn-ea"/>
+              </a:rPr>
+              <a:t>周</a:t>
+            </a:r>
+            <a:r>
+              <a:rPr lang="zh-CN" altLang="en-US" dirty="0">
+                <a:sym typeface="+mn-ea"/>
+              </a:rPr>
+              <a:t>：利用</a:t>
+            </a:r>
+            <a:r>
+              <a:rPr lang="en-US" altLang="zh-CN" dirty="0" err="1">
+                <a:sym typeface="+mn-ea"/>
+              </a:rPr>
+              <a:t>lex+yacc</a:t>
+            </a:r>
+            <a:r>
+              <a:rPr lang="zh-CN" altLang="en-US" dirty="0">
+                <a:sym typeface="+mn-ea"/>
+              </a:rPr>
+              <a:t>完成前端工作，生成</a:t>
+            </a:r>
+            <a:r>
+              <a:rPr lang="zh-CN" altLang="en-US" dirty="0" smtClean="0">
+                <a:sym typeface="+mn-ea"/>
+              </a:rPr>
+              <a:t>中间代码</a:t>
+            </a:r>
+            <a:endParaRPr lang="en-US" altLang="zh-CN" dirty="0" smtClean="0"/>
+          </a:p>
+          <a:p>
+            <a:pPr>
+              <a:lnSpc>
+                <a:spcPct val="150000"/>
+              </a:lnSpc>
+            </a:pPr>
+            <a:r>
+              <a:rPr lang="en-US" altLang="zh-CN" dirty="0" smtClean="0">
+                <a:sym typeface="+mn-ea"/>
+              </a:rPr>
+              <a:t>7-8</a:t>
+            </a:r>
+            <a:r>
+              <a:rPr lang="zh-CN" altLang="en-US" dirty="0" smtClean="0">
+                <a:sym typeface="+mn-ea"/>
+              </a:rPr>
+              <a:t>周：完成后端，将</a:t>
+            </a:r>
+            <a:r>
+              <a:rPr lang="zh-CN" altLang="en-US" dirty="0">
+                <a:sym typeface="+mn-ea"/>
+              </a:rPr>
+              <a:t>中间代码转成</a:t>
+            </a:r>
+            <a:r>
+              <a:rPr lang="en-US" altLang="zh-CN" dirty="0" smtClean="0">
+                <a:sym typeface="+mn-ea"/>
+              </a:rPr>
+              <a:t>RISCV</a:t>
+            </a:r>
+            <a:r>
+              <a:rPr lang="zh-CN" altLang="en-US" dirty="0" smtClean="0">
+                <a:sym typeface="+mn-ea"/>
+              </a:rPr>
+              <a:t>汇编</a:t>
+            </a:r>
+            <a:endParaRPr lang="en-US" altLang="zh-CN" dirty="0" smtClean="0"/>
+          </a:p>
+          <a:p>
+            <a:pPr>
+              <a:lnSpc>
+                <a:spcPct val="150000"/>
+              </a:lnSpc>
+            </a:pPr>
+            <a:r>
+              <a:rPr lang="en-US" altLang="zh-CN" dirty="0" smtClean="0">
+                <a:sym typeface="+mn-ea"/>
+              </a:rPr>
+              <a:t>9-13</a:t>
+            </a:r>
+            <a:r>
+              <a:rPr lang="zh-CN" altLang="en-US" dirty="0" smtClean="0">
+                <a:sym typeface="+mn-ea"/>
+              </a:rPr>
+              <a:t>周：</a:t>
+            </a:r>
+            <a:r>
+              <a:rPr lang="zh-CN" altLang="en-US" dirty="0">
+                <a:sym typeface="+mn-ea"/>
+              </a:rPr>
+              <a:t>根据自身完成时的经验，将任务尽量合理</a:t>
+            </a:r>
+            <a:r>
+              <a:rPr lang="zh-CN" altLang="en-US" dirty="0" smtClean="0">
+                <a:sym typeface="+mn-ea"/>
+              </a:rPr>
+              <a:t>分配，模块化</a:t>
+            </a:r>
+            <a:r>
+              <a:rPr lang="zh-CN" altLang="en-US" dirty="0">
+                <a:sym typeface="+mn-ea"/>
+              </a:rPr>
+              <a:t>，实现各</a:t>
+            </a:r>
+            <a:r>
+              <a:rPr lang="zh-CN" altLang="en-US" dirty="0" smtClean="0">
+                <a:sym typeface="+mn-ea"/>
+              </a:rPr>
+              <a:t>阶段工具、评测脚本</a:t>
+            </a:r>
+            <a:endParaRPr lang="en-US" altLang="zh-CN" dirty="0" smtClean="0"/>
+          </a:p>
+          <a:p>
+            <a:pPr>
+              <a:lnSpc>
+                <a:spcPct val="150000"/>
+              </a:lnSpc>
+            </a:pPr>
+            <a:r>
+              <a:rPr lang="en-US" altLang="zh-CN" dirty="0" smtClean="0">
+                <a:sym typeface="+mn-ea"/>
+              </a:rPr>
+              <a:t>14-15</a:t>
+            </a:r>
+            <a:r>
+              <a:rPr lang="zh-CN" altLang="en-US" dirty="0" smtClean="0">
+                <a:sym typeface="+mn-ea"/>
+              </a:rPr>
+              <a:t>周</a:t>
+            </a:r>
+            <a:r>
+              <a:rPr lang="zh-CN" altLang="en-US" dirty="0">
+                <a:sym typeface="+mn-ea"/>
+              </a:rPr>
+              <a:t>：设置扩展内容，与在线评测系统</a:t>
+            </a:r>
+            <a:r>
+              <a:rPr lang="zh-CN" altLang="en-US" dirty="0" smtClean="0">
+                <a:sym typeface="+mn-ea"/>
+              </a:rPr>
+              <a:t>结合</a:t>
+            </a:r>
+            <a:endParaRPr lang="en-US" altLang="zh-CN" dirty="0" smtClean="0"/>
+          </a:p>
+          <a:p>
+            <a:pPr>
+              <a:lnSpc>
+                <a:spcPct val="150000"/>
+              </a:lnSpc>
+            </a:pPr>
+            <a:r>
+              <a:rPr lang="en-US" altLang="zh-CN" dirty="0" smtClean="0">
+                <a:sym typeface="+mn-ea"/>
+              </a:rPr>
+              <a:t>16</a:t>
+            </a:r>
+            <a:r>
+              <a:rPr lang="zh-CN" altLang="en-US" dirty="0" smtClean="0">
+                <a:sym typeface="+mn-ea"/>
+              </a:rPr>
+              <a:t>周：写报告</a:t>
+            </a:r>
+            <a:endParaRPr lang="zh-CN" altLang="en-US" dirty="0"/>
+          </a:p>
+          <a:p>
+            <a:endParaRPr lang="en-US"/>
+          </a:p>
+        </p:txBody>
+      </p:sp>
+    </p:spTree>
+  </p:cSld>
+  <p:clrMapOvr>
+    <a:masterClrMapping/>
+  </p:clrMapOvr>
+</p:sld>
+</file>
+
+<file path=ppt/slides/slide12.xml><?xml version="1.0" encoding="utf-8"?>
+<p:sld xmlns:a="http://schemas.openxmlformats.org/drawingml/2006/main" xmlns:r="http://schemas.openxmlformats.org/officeDocument/2006/relationships" xmlns:p="http://schemas.openxmlformats.org/presentationml/2006/main">
+  <p:cSld>
+    <p:spTree>
+      <p:nvGrpSpPr>
+        <p:cNvPr id="1" name=""/>
+        <p:cNvGrpSpPr/>
+        <p:nvPr/>
+      </p:nvGrpSpPr>
+      <p:grpSpPr/>
+      <p:sp>
+        <p:nvSpPr>
+          <p:cNvPr id="2" name="Title 1"/>
+          <p:cNvSpPr>
+            <a:spLocks noGrp="1"/>
+          </p:cNvSpPr>
+          <p:nvPr>
+            <p:ph type="title"/>
+          </p:nvPr>
+        </p:nvSpPr>
+        <p:spPr/>
+        <p:txBody>
+          <a:bodyPr/>
+          <a:p>
+            <a:r>
+              <a:rPr lang="x-none" altLang="en-US"/>
               <a:t>新的进度安排</a:t>
             </a:r>
             <a:endParaRPr lang="x-none" altLang="en-US"/>
@@ -4895,19 +5013,19 @@
             </a:pPr>
             <a:r>
               <a:rPr lang="en-US">
-                <a:hlinkClick r:id="rId1" tooltip="" action="ppaction://hlinkfile"/>
+                <a:hlinkClick r:id="rId1" action="ppaction://hlinkfile"/>
               </a:rPr>
               <a:t>https://github.com/liwyNo/MiniCComp</a:t>
             </a:r>
             <a:r>
               <a:rPr lang="x-none" altLang="en-US">
-                <a:hlinkClick r:id="rId1" tooltip="" action="ppaction://hlinkfile"/>
+                <a:hlinkClick r:id="rId1" action="ppaction://hlinkfile"/>
               </a:rPr>
               <a:t>i</a:t>
             </a:r>
             <a:r>
               <a:rPr lang="en-US">
-                <a:hlinkClick r:id="rId1" tooltip="" action="ppaction://hlinkfile"/>
+                <a:hlinkClick r:id="rId1" action="ppaction://hlinkfile"/>
               </a:rPr>
               <a:t>ler</a:t>
             </a:r>
@@ -5085,6 +5203,104 @@
 </file>
 
 <file path=ppt/slides/slide5.xml><?xml version="1.0" encoding="utf-8"?>
+<p:sld xmlns:a="http://schemas.openxmlformats.org/drawingml/2006/main" xmlns:r="http://schemas.openxmlformats.org/officeDocument/2006/relationships" xmlns:p="http://schemas.openxmlformats.org/presentationml/2006/main">
+  <p:cSld>
+    <p:spTree>
+      <p:nvGrpSpPr>
+        <p:cNvPr id="1" name=""/>
+        <p:cNvGrpSpPr/>
+        <p:nvPr/>
+      </p:nvGrpSpPr>
+      <p:grpSpPr/>
+      <p:sp>
+        <p:nvSpPr>
+          <p:cNvPr id="2" name="Title 1"/>
+          <p:cNvSpPr>
+            <a:spLocks noGrp="1"/>
+          </p:cNvSpPr>
+          <p:nvPr>
+            <p:ph type="title"/>
+          </p:nvPr>
+        </p:nvSpPr>
+        <p:spPr/>
+        <p:txBody>
+          <a:bodyPr/>
+          <a:p>
+            <a:r>
+              <a:rPr lang="x-none" altLang="en-US"/>
+              <a:t>小组分工</a:t>
+            </a:r>
+            <a:endParaRPr lang="x-none" altLang="en-US"/>
+          </a:p>
+        </p:txBody>
+      </p:sp>
+      <p:sp>
+        <p:nvSpPr>
+          <p:cNvPr id="3" name="Content Placeholder 2"/>
+          <p:cNvSpPr>
+            <a:spLocks noGrp="1"/>
+          </p:cNvSpPr>
+          <p:nvPr>
+            <p:ph idx="1"/>
+          </p:nvPr>
+        </p:nvSpPr>
+        <p:spPr/>
+        <p:txBody>
+          <a:bodyPr/>
+          <a:p>
+            <a:r>
+              <a:rPr lang="x-none" altLang="en-US" sz="3200">
+                <a:sym typeface="+mn-ea"/>
+              </a:rPr>
+              <a:t>MiniC前端</a:t>
+            </a:r>
+            <a:endParaRPr lang="x-none" altLang="en-US" sz="3200"/>
+          </a:p>
+          <a:p>
+            <a:pPr lvl="1"/>
+            <a:r>
+              <a:rPr lang="x-none" altLang="en-US" sz="3200">
+                <a:sym typeface="+mn-ea"/>
+              </a:rPr>
+              <a:t>李佳蔚、梁家硕</a:t>
+            </a:r>
+            <a:endParaRPr lang="x-none" altLang="en-US" sz="3200">
+              <a:sym typeface="+mn-ea"/>
+            </a:endParaRPr>
+          </a:p>
+          <a:p>
+            <a:pPr lvl="1"/>
+            <a:endParaRPr lang="x-none" altLang="en-US"/>
+          </a:p>
+          <a:p>
+            <a:r>
+              <a:rPr lang="x-none" altLang="en-US"/>
+              <a:t>三地址码模拟器</a:t>
+            </a:r>
+            <a:endParaRPr lang="x-none" altLang="en-US"/>
+          </a:p>
+          <a:p>
+            <a:pPr lvl="1"/>
+            <a:r>
+              <a:rPr lang="x-none" altLang="en-US" sz="2800"/>
+              <a:t>李汪洋</a:t>
+            </a:r>
+            <a:endParaRPr lang="x-none" altLang="en-US" sz="2800"/>
+          </a:p>
+          <a:p>
+            <a:endParaRPr lang="x-none" altLang="en-US"/>
+          </a:p>
+        </p:txBody>
+      </p:sp>
+    </p:spTree>
+  </p:cSld>
+  <p:clrMapOvr>
+    <a:masterClrMapping/>
+  </p:clrMapOvr>
+</p:sld>
+</file>
+
+<file path=ppt/slides/slide6.xml><?xml version="1.0" encoding="utf-8"?>
 <p:sld xmlns:a="http://schemas.openxmlformats.org/drawingml/2006/main" xmlns:r="http://schemas.openxmlformats.org/officeDocument/2006/relationships" xmlns:p="http://schemas.openxmlformats.org/presentationml/2006/main">
   <p:cSld>
     <p:spTree>
@@ -5230,118 +5446,6 @@
 </p:sld>
 </file>
 
-<file path=ppt/slides/slide6.xml><?xml version="1.0" encoding="utf-8"?>
-<p:sld xmlns:a="http://schemas.openxmlformats.org/drawingml/2006/main" xmlns:r="http://schemas.openxmlformats.org/officeDocument/2006/relationships" xmlns:p="http://schemas.openxmlformats.org/presentationml/2006/main">
-  <p:cSld>
-    <p:spTree>
-      <p:nvGrpSpPr>
-        <p:cNvPr id="1" name=""/>
-        <p:cNvGrpSpPr/>
-        <p:nvPr/>
-      </p:nvGrpSpPr>
-      <p:grpSpPr/>
-      <p:sp>
-        <p:nvSpPr>
-          <p:cNvPr id="2" name="Title 1"/>
-          <p:cNvSpPr>
-            <a:spLocks noGrp="1"/>
-          </p:cNvSpPr>
-          <p:nvPr>
-            <p:ph type="title"/>
-          </p:nvPr>
-        </p:nvSpPr>
-        <p:spPr/>
-        <p:txBody>
-          <a:bodyPr/>
-          <a:p>
-            <a:r>
-              <a:rPr lang="x-none" altLang="en-US"/>
-              <a:t>遇到的问题和解决方案</a:t>
-            </a:r>
-            <a:endParaRPr lang="x-none" altLang="en-US"/>
-          </a:p>
-        </p:txBody>
-      </p:sp>
-      <p:sp>
-        <p:nvSpPr>
-          <p:cNvPr id="3" name="Content Placeholder 2"/>
-          <p:cNvSpPr>
-            <a:spLocks noGrp="1"/>
-          </p:cNvSpPr>
-          <p:nvPr>
-            <p:ph idx="1"/>
-          </p:nvPr>
-        </p:nvSpPr>
-        <p:spPr/>
-        <p:txBody>
-          <a:bodyPr/>
-          <a:p>
-            <a:r>
-              <a:rPr lang="x-none" altLang="en-US"/>
-              <a:t>C语言与on-the-fly翻译</a:t>
-            </a:r>
-            <a:r>
-              <a:rPr lang="x-none" altLang="en-US">
-                <a:sym typeface="+mn-ea"/>
-              </a:rPr>
-              <a:t>模式的问题</a:t>
-            </a:r>
-            <a:endParaRPr lang="x-none" altLang="en-US">
-              <a:sym typeface="+mn-ea"/>
-            </a:endParaRPr>
-          </a:p>
-          <a:p>
-            <a:pPr lvl="1"/>
-            <a:r>
-              <a:rPr lang="x-none" altLang="en-US">
-                <a:sym typeface="+mn-ea"/>
-              </a:rPr>
-              <a:t>在C语言里，if括号里的表达式不一定是纯粹的布尔表达式，比如可以写成 if (a+b) 和 if (a=1) </a:t>
-            </a:r>
-            <a:endParaRPr lang="x-none" altLang="en-US">
-              <a:sym typeface="+mn-ea"/>
-            </a:endParaRPr>
-          </a:p>
-          <a:p>
-            <a:pPr lvl="1"/>
-            <a:r>
-              <a:rPr lang="x-none" altLang="en-US"/>
-              <a:t>C语言中实际上不区分布尔表达式与其他表达式</a:t>
-            </a:r>
-            <a:endParaRPr lang="x-none" altLang="en-US"/>
-          </a:p>
-          <a:p>
-            <a:pPr lvl="1"/>
-            <a:r>
-              <a:rPr lang="x-none" altLang="en-US"/>
-              <a:t>所以所有表达式都需要维护truelist,falselist，每规约产生一个expression都需要产出goto，导致需要产出大量无用的goto</a:t>
-            </a:r>
-            <a:r>
-              <a:rPr lang="x-none" altLang="en-US">
-                <a:sym typeface="+mn-ea"/>
-              </a:rPr>
-              <a:t>语句</a:t>
-            </a:r>
-            <a:endParaRPr lang="x-none" altLang="en-US"/>
-          </a:p>
-          <a:p>
-            <a:pPr lvl="1"/>
-            <a:r>
-              <a:rPr lang="x-none" altLang="en-US"/>
-              <a:t>这个问题似乎也没法通过传继承属性的方式解决，因为yacc使用LALR(1)分析，如果每个expression前面都加一个空产生式的话会有大量规约冲突</a:t>
-            </a:r>
-            <a:endParaRPr lang="x-none" altLang="en-US"/>
-          </a:p>
-        </p:txBody>
-      </p:sp>
-    </p:spTree>
-  </p:cSld>
-  <p:clrMapOvr>
-    <a:masterClrMapping/>
-  </p:clrMapOvr>
-</p:sld>
-</file>
-
 <file path=ppt/slides/slide7.xml><?xml version="1.0" encoding="utf-8"?>
 <p:sld xmlns:a="http://schemas.openxmlformats.org/drawingml/2006/main" xmlns:r="http://schemas.openxmlformats.org/officeDocument/2006/relationships" xmlns:p="http://schemas.openxmlformats.org/presentationml/2006/main">
   <p:cSld>
@@ -5388,53 +5492,60 @@
         <p:txBody>
           <a:bodyPr/>
           <a:p>
-            <a:pPr marL="0" indent="0">
-              <a:buNone/>
-            </a:pPr>
             <a:r>
               <a:rPr lang="x-none" altLang="en-US"/>
-              <a:t>解决方案一：使用非on-the-fly翻译模式，把生成的三地址代码保存在变量里。</a:t>
-            </a:r>
-            <a:endParaRPr lang="x-none" altLang="en-US"/>
-          </a:p>
-          <a:p>
-            <a:pPr marL="0" indent="0">
-              <a:buNone/>
-            </a:pPr>
-            <a:endParaRPr lang="x-none" altLang="en-US"/>
-          </a:p>
-          <a:p>
-            <a:pPr marL="0" indent="0">
-              <a:buNone/>
-            </a:pPr>
-            <a:r>
-              <a:rPr lang="x-none" altLang="en-US"/>
-              <a:t>解决方案二</a:t>
-            </a:r>
-            <a:r>
-              <a:rPr lang="x-none" altLang="en-US" sz="1600"/>
-              <a:t>(实际</a:t>
-            </a:r>
-            <a:r>
-              <a:rPr lang="x-none" altLang="en-US" sz="1600">
+              <a:t>C语言与on-the-fly翻译</a:t>
+            </a:r>
+            <a:r>
+              <a:rPr lang="x-none" altLang="en-US">
                 <a:sym typeface="+mn-ea"/>
               </a:rPr>
-              <a:t>采用</a:t>
-            </a:r>
-            <a:r>
-              <a:rPr lang="x-none" altLang="en-US" sz="1600"/>
-              <a:t>)</a:t>
-            </a:r>
+              <a:t>模式的问题</a:t>
+            </a:r>
+            <a:endParaRPr lang="x-none" altLang="en-US">
+              <a:sym typeface="+mn-ea"/>
+            </a:endParaRPr>
+          </a:p>
+          <a:p>
+            <a:pPr lvl="1"/>
+            <a:r>
+              <a:rPr lang="x-none" altLang="en-US">
+                <a:sym typeface="+mn-ea"/>
+              </a:rPr>
+              <a:t>在C语言里，if括号里的表达式不一定是纯粹的布尔表达式，比如可以写成 if (a+b) 和 if (a=1) </a:t>
+            </a:r>
+            <a:endParaRPr lang="x-none" altLang="en-US">
+              <a:sym typeface="+mn-ea"/>
+            </a:endParaRPr>
+          </a:p>
+          <a:p>
+            <a:pPr lvl="1"/>
             <a:r>
               <a:rPr lang="x-none" altLang="en-US"/>
-              <a:t>：仍用on-the-fly翻译模式，但不使用回填技术。先计算表达式的值，然后再判断。</a:t>
+              <a:t>C语言中实际上不区分布尔表达式与其他表达式</a:t>
             </a:r>
             <a:endParaRPr lang="x-none" altLang="en-US"/>
           </a:p>
           <a:p>
-            <a:pPr marL="0" indent="0">
-              <a:buNone/>
-            </a:pPr>
+            <a:pPr lvl="1"/>
+            <a:r>
+              <a:rPr lang="x-none" altLang="en-US"/>
+              <a:t>所以所有表达式都需要维护truelist,falselist，每规约产生一个expression都需要产出goto，导致需要产出大量无用的goto</a:t>
+            </a:r>
+            <a:r>
+              <a:rPr lang="x-none" altLang="en-US">
+                <a:sym typeface="+mn-ea"/>
+              </a:rPr>
+              <a:t>语句</a:t>
+            </a:r>
+            <a:endParaRPr lang="x-none" altLang="en-US"/>
+          </a:p>
+          <a:p>
+            <a:pPr lvl="1"/>
+            <a:r>
+              <a:rPr lang="x-none" altLang="en-US"/>
+              <a:t>这个问题似乎也没法通过传继承属性的方式解决，因为yacc使用LALR(1)分析，如果每个expression前面都加一个空产生式的话会有大量规约冲突</a:t>
+            </a:r>
             <a:endParaRPr lang="x-none" altLang="en-US"/>
           </a:p>
         </p:txBody>
@@ -5473,7 +5584,7 @@
           <a:p>
             <a:r>
               <a:rPr lang="x-none" altLang="en-US"/>
-              <a:t>尚未解决的问题</a:t>
+              <a:t>遇到的问题和解决方案</a:t>
             </a:r>
             <a:endParaRPr lang="x-none" altLang="en-US"/>
           </a:p>
@@ -5489,70 +5600,57 @@
             <p:ph idx="1"/>
           </p:nvPr>
         </p:nvSpPr>
-        <p:spPr>
-          <a:xfrm>
-            <a:off x="609600" y="1193800"/>
-            <a:ext cx="10972800" cy="4953000"/>
-          </a:xfrm>
-        </p:spPr>
-        <p:txBody>
-          <a:bodyPr/>
-          <a:p>
+        <p:spPr/>
+        <p:txBody>
+          <a:bodyPr/>
+          <a:p>
+            <a:pPr marL="0" indent="0">
+              <a:buNone/>
+            </a:pPr>
             <a:r>
               <a:rPr lang="x-none" altLang="en-US"/>
-              <a:t>前端的一些bug</a:t>
+              <a:t>解决方案一：使用非on-the-fly翻译模式，把生成的三地址代码保存在变量里。</a:t>
             </a:r>
             <a:endParaRPr lang="x-none" altLang="en-US"/>
           </a:p>
           <a:p>
-            <a:pPr lvl="1"/>
-            <a:r>
-              <a:rPr lang="x-none" altLang="en-US">
+            <a:pPr marL="0" indent="0">
+              <a:buNone/>
+            </a:pPr>
+            <a:endParaRPr lang="x-none" altLang="en-US"/>
+          </a:p>
+          <a:p>
+            <a:pPr marL="0" indent="0">
+              <a:buNone/>
+            </a:pPr>
+            <a:r>
+              <a:rPr lang="x-none" altLang="en-US"/>
+              <a:t>解决方案二</a:t>
+            </a:r>
+            <a:r>
+              <a:rPr lang="x-none" altLang="en-US" sz="1600"/>
+              <a:t>(实际</a:t>
+            </a:r>
+            <a:r>
+              <a:rPr lang="x-none" altLang="en-US" sz="1600">
                 <a:sym typeface="+mn-ea"/>
               </a:rPr>
-              <a:t>不太容易处理的C语法</a:t>
-            </a:r>
-            <a:endParaRPr lang="x-none" altLang="en-US">
-              <a:sym typeface="+mn-ea"/>
-            </a:endParaRPr>
-          </a:p>
-          <a:p>
-            <a:pPr lvl="1"/>
+              <a:t>采用</a:t>
+            </a:r>
+            <a:r>
+              <a:rPr lang="x-none" altLang="en-US" sz="1600"/>
+              <a:t>)</a:t>
+            </a:r>
             <a:r>
               <a:rPr lang="x-none" altLang="en-US"/>
-              <a:t>部分指针和</a:t>
-            </a:r>
-            <a:r>
-              <a:rPr lang="x-none" altLang="en-US">
-                <a:sym typeface="+mn-ea"/>
-              </a:rPr>
-              <a:t>const语句</a:t>
-            </a:r>
-            <a:r>
-              <a:rPr lang="x-none" altLang="en-US"/>
-              <a:t>相关的翻译</a:t>
+              <a:t>：仍用on-the-fly翻译模式，但不使用回填技术。先计算表达式的值，然后再判断。</a:t>
             </a:r>
             <a:endParaRPr lang="x-none" altLang="en-US"/>
           </a:p>
           <a:p>
-            <a:pPr lvl="1"/>
-            <a:endParaRPr lang="x-none" altLang="en-US"/>
-          </a:p>
-          <a:p>
-            <a:r>
-              <a:rPr lang="x-none" altLang="en-US"/>
-              <a:t>三地址码模拟器的一些bug</a:t>
-            </a:r>
-            <a:endParaRPr lang="x-none" altLang="en-US"/>
-          </a:p>
-          <a:p>
-            <a:endParaRPr lang="x-none" altLang="en-US"/>
-          </a:p>
-          <a:p>
-            <a:r>
-              <a:rPr lang="x-none" altLang="en-US"/>
-              <a:t>C语言类型太多，类型检查繁琐</a:t>
-            </a:r>
+            <a:pPr marL="0" indent="0">
+              <a:buNone/>
+            </a:pPr>
             <a:endParaRPr lang="x-none" altLang="en-US"/>
           </a:p>
         </p:txBody>
@@ -5591,7 +5689,7 @@
           <a:p>
             <a:r>
               <a:rPr lang="x-none" altLang="en-US"/>
-              <a:t>工作目的</a:t>
+              <a:t>尚未解决的问题</a:t>
             </a:r>
             <a:endParaRPr lang="x-none" altLang="en-US"/>
           </a:p>
@@ -5607,70 +5705,71 @@
             <p:ph idx="1"/>
           </p:nvPr>
         </p:nvSpPr>
-        <p:spPr/>
-        <p:txBody>
-          <a:bodyPr/>
-          <a:p>
-            <a:pPr>
-              <a:lnSpc>
-                <a:spcPct val="160000"/>
-              </a:lnSpc>
-            </a:pPr>
-            <a:r>
-              <a:rPr lang="zh-CN" altLang="en-US" dirty="0" smtClean="0">
+        <p:spPr>
+          <a:xfrm>
+            <a:off x="609600" y="1193800"/>
+            <a:ext cx="10972800" cy="4953000"/>
+          </a:xfrm>
+        </p:spPr>
+        <p:txBody>
+          <a:bodyPr/>
+          <a:p>
+            <a:r>
+              <a:rPr lang="x-none" altLang="en-US"/>
+              <a:t>前端的一些bug</a:t>
+            </a:r>
+            <a:endParaRPr lang="x-none" altLang="en-US"/>
+          </a:p>
+          <a:p>
+            <a:pPr lvl="1"/>
+            <a:r>
+              <a:rPr lang="x-none" altLang="en-US">
                 <a:sym typeface="+mn-ea"/>
               </a:rPr>
-              <a:t>根据现行的正课教学进度，重新合理的分配课程项目任务。</a:t>
-            </a:r>
-            <a:endParaRPr lang="zh-CN" altLang="en-US" dirty="0" smtClean="0">
+              <a:t>不太容易处理的C语法</a:t>
+            </a:r>
+            <a:endParaRPr lang="x-none" altLang="en-US">
               <a:sym typeface="+mn-ea"/>
             </a:endParaRPr>
           </a:p>
           <a:p>
-            <a:pPr lvl="1">
-              <a:lnSpc>
-                <a:spcPct val="160000"/>
-              </a:lnSpc>
-            </a:pPr>
-            <a:r>
-              <a:rPr lang="x-none" altLang="zh-CN" sz="2800" dirty="0" smtClean="0">
+            <a:pPr lvl="1"/>
+            <a:r>
+              <a:rPr lang="x-none" altLang="en-US"/>
+              <a:t>部分指针和</a:t>
+            </a:r>
+            <a:r>
+              <a:rPr lang="x-none" altLang="en-US">
                 <a:sym typeface="+mn-ea"/>
               </a:rPr>
-              <a:t>MiniC语法比MiniJava语法更多样化，加大了学生前端的工作量。</a:t>
-            </a:r>
-            <a:endParaRPr lang="x-none" altLang="zh-CN" sz="2800" dirty="0" smtClean="0">
-              <a:sym typeface="+mn-ea"/>
-            </a:endParaRPr>
-          </a:p>
-          <a:p>
-            <a:pPr lvl="1">
-              <a:lnSpc>
-                <a:spcPct val="160000"/>
-              </a:lnSpc>
-            </a:pPr>
-            <a:r>
-              <a:rPr lang="x-none" altLang="zh-CN" sz="2800" dirty="0" smtClean="0">
-                <a:sym typeface="+mn-ea"/>
-              </a:rPr>
-              <a:t>提供测试程序，简化翻译流程，减少后端工作量。</a:t>
-            </a:r>
-            <a:endParaRPr lang="x-none" altLang="zh-CN" sz="2800" dirty="0" smtClean="0">
-              <a:sym typeface="+mn-ea"/>
-            </a:endParaRPr>
-          </a:p>
-          <a:p>
-            <a:pPr>
-              <a:lnSpc>
-                <a:spcPct val="160000"/>
-              </a:lnSpc>
-            </a:pPr>
-            <a:r>
-              <a:rPr lang="zh-CN" altLang="en-US" dirty="0" smtClean="0">
-                <a:sym typeface="+mn-ea"/>
-              </a:rPr>
-              <a:t>将任务模块化，单独对某一阶段知识点进行实践测试，避免项目前面遗留问题对后期进度的影响。</a:t>
-            </a:r>
-            <a:endParaRPr lang="en-US"/>
+              <a:t>const语句</a:t>
+            </a:r>
+            <a:r>
+              <a:rPr lang="x-none" altLang="en-US"/>
+              <a:t>相关的翻译</a:t>
+            </a:r>
+            <a:endParaRPr lang="x-none" altLang="en-US"/>
+          </a:p>
+          <a:p>
+            <a:pPr lvl="1"/>
+            <a:endParaRPr lang="x-none" altLang="en-US"/>
+          </a:p>
+          <a:p>
+            <a:r>
+              <a:rPr lang="x-none" altLang="en-US"/>
+              <a:t>三地址码模拟器的一些bug</a:t>
+            </a:r>
+            <a:endParaRPr lang="x-none" altLang="en-US"/>
+          </a:p>
+          <a:p>
+            <a:endParaRPr lang="x-none" altLang="en-US"/>
+          </a:p>
+          <a:p>
+            <a:r>
+              <a:rPr lang="x-none" altLang="en-US"/>
+              <a:t>C语言类型太多，类型检查繁琐</a:t>
+            </a:r>
+            <a:endParaRPr lang="x-none" altLang="en-US"/>
           </a:p>
         </p:txBody>
       </p:sp>

--- a/doc/midterm.pptx
+++ b/doc/midterm.pptx
@@ -6,17 +6,16 @@
   </p:sldMasterIdLst>
   <p:sldIdLst>
     <p:sldId id="256" r:id="rId3"/>
-    <p:sldId id="271" r:id="rId4"/>
-    <p:sldId id="257" r:id="rId5"/>
-    <p:sldId id="258" r:id="rId6"/>
-    <p:sldId id="281" r:id="rId7"/>
-    <p:sldId id="261" r:id="rId8"/>
-    <p:sldId id="259" r:id="rId9"/>
-    <p:sldId id="262" r:id="rId10"/>
-    <p:sldId id="263" r:id="rId11"/>
-    <p:sldId id="267" r:id="rId12"/>
-    <p:sldId id="260" r:id="rId13"/>
-    <p:sldId id="264" r:id="rId14"/>
+    <p:sldId id="257" r:id="rId4"/>
+    <p:sldId id="258" r:id="rId5"/>
+    <p:sldId id="281" r:id="rId6"/>
+    <p:sldId id="261" r:id="rId7"/>
+    <p:sldId id="259" r:id="rId8"/>
+    <p:sldId id="262" r:id="rId9"/>
+    <p:sldId id="263" r:id="rId10"/>
+    <p:sldId id="267" r:id="rId11"/>
+    <p:sldId id="260" r:id="rId12"/>
+    <p:sldId id="264" r:id="rId13"/>
   </p:sldIdLst>
   <p:sldSz cx="12192000" cy="6858000"/>
   <p:notesSz cx="6858000" cy="9144000"/>
@@ -4449,7 +4448,7 @@
           <a:p>
             <a:r>
               <a:rPr lang="x-none" altLang="en-US"/>
-              <a:t>工作目的</a:t>
+              <a:t>初始时间安排</a:t>
             </a:r>
             <a:endParaRPr lang="x-none" altLang="en-US"/>
           </a:p>
@@ -4471,63 +4470,182 @@
           <a:p>
             <a:pPr>
               <a:lnSpc>
-                <a:spcPct val="160000"/>
+                <a:spcPct val="150000"/>
               </a:lnSpc>
             </a:pPr>
+            <a:r>
+              <a:rPr lang="en-US" altLang="zh-CN" dirty="0" smtClean="0">
+                <a:sym typeface="+mn-ea"/>
+              </a:rPr>
+              <a:t>3-6</a:t>
+            </a:r>
             <a:r>
               <a:rPr lang="zh-CN" altLang="en-US" dirty="0" smtClean="0">
                 <a:sym typeface="+mn-ea"/>
               </a:rPr>
-              <a:t>根据现行的正课教学进度，重新合理的分配课程项目任务。</a:t>
-            </a:r>
-            <a:endParaRPr lang="zh-CN" altLang="en-US" dirty="0" smtClean="0">
-              <a:sym typeface="+mn-ea"/>
-            </a:endParaRPr>
-          </a:p>
-          <a:p>
-            <a:pPr lvl="1">
-              <a:lnSpc>
-                <a:spcPct val="160000"/>
-              </a:lnSpc>
-            </a:pPr>
-            <a:r>
-              <a:rPr lang="x-none" altLang="zh-CN" sz="2800" dirty="0" smtClean="0">
+              <a:t>周</a:t>
+            </a:r>
+            <a:r>
+              <a:rPr lang="zh-CN" altLang="en-US" dirty="0">
                 <a:sym typeface="+mn-ea"/>
               </a:rPr>
-              <a:t>MiniC语法比MiniJava语法更多样化，加大了学生前端的工作量。</a:t>
-            </a:r>
-            <a:endParaRPr lang="x-none" altLang="zh-CN" sz="2800" dirty="0" smtClean="0">
-              <a:sym typeface="+mn-ea"/>
-            </a:endParaRPr>
-          </a:p>
-          <a:p>
-            <a:pPr lvl="1">
-              <a:lnSpc>
-                <a:spcPct val="160000"/>
-              </a:lnSpc>
-            </a:pPr>
-            <a:r>
-              <a:rPr lang="x-none" altLang="zh-CN" sz="2800" dirty="0" smtClean="0">
+              <a:t>：利用</a:t>
+            </a:r>
+            <a:r>
+              <a:rPr lang="en-US" altLang="zh-CN" dirty="0" err="1">
                 <a:sym typeface="+mn-ea"/>
               </a:rPr>
-              <a:t>提供测试程序，简化翻译流程，减少后端工作量。</a:t>
-            </a:r>
-            <a:endParaRPr lang="x-none" altLang="zh-CN" sz="2800" dirty="0" smtClean="0">
-              <a:sym typeface="+mn-ea"/>
-            </a:endParaRPr>
-          </a:p>
-          <a:p>
-            <a:pPr>
-              <a:lnSpc>
-                <a:spcPct val="160000"/>
-              </a:lnSpc>
-            </a:pPr>
+              <a:t>lex+yacc</a:t>
+            </a:r>
+            <a:r>
+              <a:rPr lang="zh-CN" altLang="en-US" dirty="0">
+                <a:sym typeface="+mn-ea"/>
+              </a:rPr>
+              <a:t>完成前端工作，生成</a:t>
+            </a:r>
             <a:r>
               <a:rPr lang="zh-CN" altLang="en-US" dirty="0" smtClean="0">
                 <a:sym typeface="+mn-ea"/>
               </a:rPr>
-              <a:t>将任务模块化，单独对某一阶段知识点进行实践测试，避免项目前面遗留问题对后期进度的影响。</a:t>
-            </a:r>
+              <a:t>中间代码</a:t>
+            </a:r>
+            <a:endParaRPr lang="en-US" altLang="zh-CN" dirty="0" smtClean="0"/>
+          </a:p>
+          <a:p>
+            <a:pPr>
+              <a:lnSpc>
+                <a:spcPct val="150000"/>
+              </a:lnSpc>
+            </a:pPr>
+            <a:r>
+              <a:rPr lang="en-US" altLang="zh-CN" dirty="0" smtClean="0">
+                <a:sym typeface="+mn-ea"/>
+              </a:rPr>
+              <a:t>7-8</a:t>
+            </a:r>
+            <a:r>
+              <a:rPr lang="zh-CN" altLang="en-US" dirty="0" smtClean="0">
+                <a:sym typeface="+mn-ea"/>
+              </a:rPr>
+              <a:t>周：完成后端，将</a:t>
+            </a:r>
+            <a:r>
+              <a:rPr lang="zh-CN" altLang="en-US" dirty="0">
+                <a:sym typeface="+mn-ea"/>
+              </a:rPr>
+              <a:t>中间代码转成</a:t>
+            </a:r>
+            <a:r>
+              <a:rPr lang="en-US" altLang="zh-CN" dirty="0" smtClean="0">
+                <a:sym typeface="+mn-ea"/>
+              </a:rPr>
+              <a:t>RISCV</a:t>
+            </a:r>
+            <a:r>
+              <a:rPr lang="zh-CN" altLang="en-US" dirty="0" smtClean="0">
+                <a:sym typeface="+mn-ea"/>
+              </a:rPr>
+              <a:t>汇编</a:t>
+            </a:r>
+            <a:endParaRPr lang="en-US" altLang="zh-CN" dirty="0" smtClean="0"/>
+          </a:p>
+          <a:p>
+            <a:pPr>
+              <a:lnSpc>
+                <a:spcPct val="150000"/>
+              </a:lnSpc>
+            </a:pPr>
+            <a:r>
+              <a:rPr lang="en-US" altLang="zh-CN" dirty="0" smtClean="0">
+                <a:sym typeface="+mn-ea"/>
+              </a:rPr>
+              <a:t>9-13</a:t>
+            </a:r>
+            <a:r>
+              <a:rPr lang="zh-CN" altLang="en-US" dirty="0" smtClean="0">
+                <a:sym typeface="+mn-ea"/>
+              </a:rPr>
+              <a:t>周：</a:t>
+            </a:r>
+            <a:r>
+              <a:rPr lang="zh-CN" altLang="en-US" dirty="0">
+                <a:sym typeface="+mn-ea"/>
+              </a:rPr>
+              <a:t>根据自身完成时的经验，将任务尽量合理</a:t>
+            </a:r>
+            <a:r>
+              <a:rPr lang="zh-CN" altLang="en-US" dirty="0" smtClean="0">
+                <a:sym typeface="+mn-ea"/>
+              </a:rPr>
+              <a:t>分配，模块化</a:t>
+            </a:r>
+            <a:r>
+              <a:rPr lang="zh-CN" altLang="en-US" dirty="0">
+                <a:sym typeface="+mn-ea"/>
+              </a:rPr>
+              <a:t>，实现各</a:t>
+            </a:r>
+            <a:r>
+              <a:rPr lang="zh-CN" altLang="en-US" dirty="0" smtClean="0">
+                <a:sym typeface="+mn-ea"/>
+              </a:rPr>
+              <a:t>阶段工具、评测脚本</a:t>
+            </a:r>
+            <a:endParaRPr lang="en-US" altLang="zh-CN" dirty="0" smtClean="0"/>
+          </a:p>
+          <a:p>
+            <a:pPr>
+              <a:lnSpc>
+                <a:spcPct val="150000"/>
+              </a:lnSpc>
+            </a:pPr>
+            <a:r>
+              <a:rPr lang="en-US" altLang="zh-CN" dirty="0" smtClean="0">
+                <a:sym typeface="+mn-ea"/>
+              </a:rPr>
+              <a:t>14-15</a:t>
+            </a:r>
+            <a:r>
+              <a:rPr lang="zh-CN" altLang="en-US" dirty="0" smtClean="0">
+                <a:sym typeface="+mn-ea"/>
+              </a:rPr>
+              <a:t>周</a:t>
+            </a:r>
+            <a:r>
+              <a:rPr lang="zh-CN" altLang="en-US" dirty="0">
+                <a:sym typeface="+mn-ea"/>
+              </a:rPr>
+              <a:t>：设置扩展内容，与在线评测系统</a:t>
+            </a:r>
+            <a:r>
+              <a:rPr lang="zh-CN" altLang="en-US" dirty="0" smtClean="0">
+                <a:sym typeface="+mn-ea"/>
+              </a:rPr>
+              <a:t>结合</a:t>
+            </a:r>
+            <a:endParaRPr lang="en-US" altLang="zh-CN" dirty="0" smtClean="0"/>
+          </a:p>
+          <a:p>
+            <a:pPr>
+              <a:lnSpc>
+                <a:spcPct val="150000"/>
+              </a:lnSpc>
+            </a:pPr>
+            <a:r>
+              <a:rPr lang="en-US" altLang="zh-CN" dirty="0" smtClean="0">
+                <a:sym typeface="+mn-ea"/>
+              </a:rPr>
+              <a:t>16</a:t>
+            </a:r>
+            <a:r>
+              <a:rPr lang="zh-CN" altLang="en-US" dirty="0" smtClean="0">
+                <a:sym typeface="+mn-ea"/>
+              </a:rPr>
+              <a:t>周：写报告</a:t>
+            </a:r>
+            <a:endParaRPr lang="zh-CN" altLang="en-US" dirty="0"/>
+          </a:p>
+          <a:p>
             <a:endParaRPr lang="en-US"/>
           </a:p>
         </p:txBody>
@@ -4566,242 +4684,6 @@
           <a:p>
             <a:r>
               <a:rPr lang="x-none" altLang="en-US"/>
-              <a:t>初始时间安排</a:t>
-            </a:r>
-            <a:endParaRPr lang="x-none" altLang="en-US"/>
-          </a:p>
-        </p:txBody>
-      </p:sp>
-      <p:sp>
-        <p:nvSpPr>
-          <p:cNvPr id="3" name="Content Placeholder 2"/>
-          <p:cNvSpPr>
-            <a:spLocks noGrp="1"/>
-          </p:cNvSpPr>
-          <p:nvPr>
-            <p:ph idx="1"/>
-          </p:nvPr>
-        </p:nvSpPr>
-        <p:spPr/>
-        <p:txBody>
-          <a:bodyPr/>
-          <a:p>
-            <a:pPr>
-              <a:lnSpc>
-                <a:spcPct val="150000"/>
-              </a:lnSpc>
-            </a:pPr>
-            <a:r>
-              <a:rPr lang="en-US" altLang="zh-CN" dirty="0" smtClean="0">
-                <a:sym typeface="+mn-ea"/>
-              </a:rPr>
-              <a:t>3-6</a:t>
-            </a:r>
-            <a:r>
-              <a:rPr lang="zh-CN" altLang="en-US" dirty="0" smtClean="0">
-                <a:sym typeface="+mn-ea"/>
-              </a:rPr>
-              <a:t>周</a:t>
-            </a:r>
-            <a:r>
-              <a:rPr lang="zh-CN" altLang="en-US" dirty="0">
-                <a:sym typeface="+mn-ea"/>
-              </a:rPr>
-              <a:t>：利用</a:t>
-            </a:r>
-            <a:r>
-              <a:rPr lang="en-US" altLang="zh-CN" dirty="0" err="1">
-                <a:sym typeface="+mn-ea"/>
-              </a:rPr>
-              <a:t>lex+yacc</a:t>
-            </a:r>
-            <a:r>
-              <a:rPr lang="zh-CN" altLang="en-US" dirty="0">
-                <a:sym typeface="+mn-ea"/>
-              </a:rPr>
-              <a:t>完成前端工作，生成</a:t>
-            </a:r>
-            <a:r>
-              <a:rPr lang="zh-CN" altLang="en-US" dirty="0" smtClean="0">
-                <a:sym typeface="+mn-ea"/>
-              </a:rPr>
-              <a:t>中间代码</a:t>
-            </a:r>
-            <a:endParaRPr lang="en-US" altLang="zh-CN" dirty="0" smtClean="0"/>
-          </a:p>
-          <a:p>
-            <a:pPr>
-              <a:lnSpc>
-                <a:spcPct val="150000"/>
-              </a:lnSpc>
-            </a:pPr>
-            <a:r>
-              <a:rPr lang="en-US" altLang="zh-CN" dirty="0" smtClean="0">
-                <a:sym typeface="+mn-ea"/>
-              </a:rPr>
-              <a:t>7-8</a:t>
-            </a:r>
-            <a:r>
-              <a:rPr lang="zh-CN" altLang="en-US" dirty="0" smtClean="0">
-                <a:sym typeface="+mn-ea"/>
-              </a:rPr>
-              <a:t>周：完成后端，将</a:t>
-            </a:r>
-            <a:r>
-              <a:rPr lang="zh-CN" altLang="en-US" dirty="0">
-                <a:sym typeface="+mn-ea"/>
-              </a:rPr>
-              <a:t>中间代码转成</a:t>
-            </a:r>
-            <a:r>
-              <a:rPr lang="en-US" altLang="zh-CN" dirty="0" smtClean="0">
-                <a:sym typeface="+mn-ea"/>
-              </a:rPr>
-              <a:t>RISCV</a:t>
-            </a:r>
-            <a:r>
-              <a:rPr lang="zh-CN" altLang="en-US" dirty="0" smtClean="0">
-                <a:sym typeface="+mn-ea"/>
-              </a:rPr>
-              <a:t>汇编</a:t>
-            </a:r>
-            <a:endParaRPr lang="en-US" altLang="zh-CN" dirty="0" smtClean="0"/>
-          </a:p>
-          <a:p>
-            <a:pPr>
-              <a:lnSpc>
-                <a:spcPct val="150000"/>
-              </a:lnSpc>
-            </a:pPr>
-            <a:r>
-              <a:rPr lang="en-US" altLang="zh-CN" dirty="0" smtClean="0">
-                <a:sym typeface="+mn-ea"/>
-              </a:rPr>
-              <a:t>9-13</a:t>
-            </a:r>
-            <a:r>
-              <a:rPr lang="zh-CN" altLang="en-US" dirty="0" smtClean="0">
-                <a:sym typeface="+mn-ea"/>
-              </a:rPr>
-              <a:t>周：</a:t>
-            </a:r>
-            <a:r>
-              <a:rPr lang="zh-CN" altLang="en-US" dirty="0">
-                <a:sym typeface="+mn-ea"/>
-              </a:rPr>
-              <a:t>根据自身完成时的经验，将任务尽量合理</a:t>
-            </a:r>
-            <a:r>
-              <a:rPr lang="zh-CN" altLang="en-US" dirty="0" smtClean="0">
-                <a:sym typeface="+mn-ea"/>
-              </a:rPr>
-              <a:t>分配，模块化</a:t>
-            </a:r>
-            <a:r>
-              <a:rPr lang="zh-CN" altLang="en-US" dirty="0">
-                <a:sym typeface="+mn-ea"/>
-              </a:rPr>
-              <a:t>，实现各</a:t>
-            </a:r>
-            <a:r>
-              <a:rPr lang="zh-CN" altLang="en-US" dirty="0" smtClean="0">
-                <a:sym typeface="+mn-ea"/>
-              </a:rPr>
-              <a:t>阶段工具、评测脚本</a:t>
-            </a:r>
-            <a:endParaRPr lang="en-US" altLang="zh-CN" dirty="0" smtClean="0"/>
-          </a:p>
-          <a:p>
-            <a:pPr>
-              <a:lnSpc>
-                <a:spcPct val="150000"/>
-              </a:lnSpc>
-            </a:pPr>
-            <a:r>
-              <a:rPr lang="en-US" altLang="zh-CN" dirty="0" smtClean="0">
-                <a:sym typeface="+mn-ea"/>
-              </a:rPr>
-              <a:t>14-15</a:t>
-            </a:r>
-            <a:r>
-              <a:rPr lang="zh-CN" altLang="en-US" dirty="0" smtClean="0">
-                <a:sym typeface="+mn-ea"/>
-              </a:rPr>
-              <a:t>周</a:t>
-            </a:r>
-            <a:r>
-              <a:rPr lang="zh-CN" altLang="en-US" dirty="0">
-                <a:sym typeface="+mn-ea"/>
-              </a:rPr>
-              <a:t>：设置扩展内容，与在线评测系统</a:t>
-            </a:r>
-            <a:r>
-              <a:rPr lang="zh-CN" altLang="en-US" dirty="0" smtClean="0">
-                <a:sym typeface="+mn-ea"/>
-              </a:rPr>
-              <a:t>结合</a:t>
-            </a:r>
-            <a:endParaRPr lang="en-US" altLang="zh-CN" dirty="0" smtClean="0"/>
-          </a:p>
-          <a:p>
-            <a:pPr>
-              <a:lnSpc>
-                <a:spcPct val="150000"/>
-              </a:lnSpc>
-            </a:pPr>
-            <a:r>
-              <a:rPr lang="en-US" altLang="zh-CN" dirty="0" smtClean="0">
-                <a:sym typeface="+mn-ea"/>
-              </a:rPr>
-              <a:t>16</a:t>
-            </a:r>
-            <a:r>
-              <a:rPr lang="zh-CN" altLang="en-US" dirty="0" smtClean="0">
-                <a:sym typeface="+mn-ea"/>
-              </a:rPr>
-              <a:t>周：写报告</a:t>
-            </a:r>
-            <a:endParaRPr lang="zh-CN" altLang="en-US" dirty="0"/>
-          </a:p>
-          <a:p>
-            <a:endParaRPr lang="en-US"/>
-          </a:p>
-        </p:txBody>
-      </p:sp>
-    </p:spTree>
-  </p:cSld>
-  <p:clrMapOvr>
-    <a:masterClrMapping/>
-  </p:clrMapOvr>
-</p:sld>
-</file>
-
-<file path=ppt/slides/slide12.xml><?xml version="1.0" encoding="utf-8"?>
-<p:sld xmlns:a="http://schemas.openxmlformats.org/drawingml/2006/main" xmlns:r="http://schemas.openxmlformats.org/officeDocument/2006/relationships" xmlns:p="http://schemas.openxmlformats.org/presentationml/2006/main">
-  <p:cSld>
-    <p:spTree>
-      <p:nvGrpSpPr>
-        <p:cNvPr id="1" name=""/>
-        <p:cNvGrpSpPr/>
-        <p:nvPr/>
-      </p:nvGrpSpPr>
-      <p:grpSpPr/>
-      <p:sp>
-        <p:nvSpPr>
-          <p:cNvPr id="2" name="Title 1"/>
-          <p:cNvSpPr>
-            <a:spLocks noGrp="1"/>
-          </p:cNvSpPr>
-          <p:nvPr>
-            <p:ph type="title"/>
-          </p:nvPr>
-        </p:nvSpPr>
-        <p:spPr/>
-        <p:txBody>
-          <a:bodyPr/>
-          <a:p>
-            <a:r>
-              <a:rPr lang="x-none" altLang="en-US"/>
               <a:t>新的进度安排</a:t>
             </a:r>
             <a:endParaRPr lang="x-none" altLang="en-US"/>
@@ -4970,7 +4852,7 @@
           <a:p>
             <a:r>
               <a:rPr lang="x-none" altLang="en-US"/>
-              <a:t>代码获取</a:t>
+              <a:t>完成进度</a:t>
             </a:r>
             <a:endParaRPr lang="x-none" altLang="en-US"/>
           </a:p>
@@ -4990,46 +4872,65 @@
         <p:txBody>
           <a:bodyPr/>
           <a:p>
-            <a:pPr marL="0" indent="0">
-              <a:buNone/>
-            </a:pPr>
-            <a:endParaRPr lang="en-US"/>
-          </a:p>
-          <a:p>
-            <a:pPr marL="0" indent="0">
-              <a:buNone/>
-            </a:pPr>
-            <a:endParaRPr lang="en-US"/>
-          </a:p>
-          <a:p>
-            <a:pPr marL="0" indent="0">
-              <a:buNone/>
-            </a:pPr>
-            <a:endParaRPr lang="en-US"/>
-          </a:p>
-          <a:p>
-            <a:pPr marL="0" indent="0" algn="l">
-              <a:buNone/>
-            </a:pPr>
-            <a:r>
-              <a:rPr lang="en-US">
-                <a:hlinkClick r:id="rId1" action="ppaction://hlinkfile"/>
+            <a:r>
+              <a:rPr lang="x-none" altLang="en-US"/>
+              <a:t>定义MiniC语法和中间代码格式</a:t>
+            </a:r>
+            <a:endParaRPr lang="x-none" altLang="en-US"/>
+          </a:p>
+          <a:p>
+            <a:pPr lvl="1"/>
+            <a:r>
+              <a:rPr lang="x-none" altLang="en-US" sz="2800"/>
+              <a:t>中间代码选用自定义的三地址码</a:t>
+            </a:r>
+            <a:endParaRPr lang="x-none" altLang="en-US" sz="2800"/>
+          </a:p>
+          <a:p>
+            <a:pPr lvl="1"/>
+            <a:r>
+              <a:rPr lang="x-none" altLang="zh-CN" dirty="0" smtClean="0">
+                <a:sym typeface="+mn-ea"/>
               </a:rPr>
-              <a:t>https://github.com/liwyNo/MiniCComp</a:t>
-            </a:r>
-            <a:r>
-              <a:rPr lang="x-none" altLang="en-US">
-                <a:hlinkClick r:id="rId1" action="ppaction://hlinkfile"/>
-              </a:rPr>
-              <a:t>i</a:t>
-            </a:r>
-            <a:r>
-              <a:rPr lang="en-US">
-                <a:hlinkClick r:id="rId1" action="ppaction://hlinkfile"/>
-              </a:rPr>
-              <a:t>ler</a:t>
-            </a:r>
-            <a:endParaRPr lang="en-US"/>
+              <a:t>定义了一套类似编译课程上所讲的三地址码</a:t>
+            </a:r>
+            <a:endParaRPr lang="x-none" altLang="en-US" sz="2800"/>
+          </a:p>
+          <a:p>
+            <a:endParaRPr lang="x-none" altLang="en-US"/>
+          </a:p>
+          <a:p>
+            <a:r>
+              <a:rPr lang="x-none" altLang="en-US"/>
+              <a:t>MiniC前端工作</a:t>
+            </a:r>
+            <a:endParaRPr lang="x-none" altLang="en-US"/>
+          </a:p>
+          <a:p>
+            <a:pPr lvl="1"/>
+            <a:r>
+              <a:rPr lang="x-none" altLang="en-US"/>
+              <a:t>MiniC 转 三地址码</a:t>
+            </a:r>
+            <a:endParaRPr lang="x-none" altLang="en-US"/>
+          </a:p>
+          <a:p>
+            <a:endParaRPr lang="x-none" altLang="en-US"/>
+          </a:p>
+          <a:p>
+            <a:r>
+              <a:rPr lang="x-none" altLang="en-US"/>
+              <a:t>三地址码模拟器</a:t>
+            </a:r>
+            <a:endParaRPr lang="x-none" altLang="en-US"/>
+          </a:p>
+          <a:p>
+            <a:pPr lvl="1"/>
+            <a:r>
+              <a:rPr lang="x-none" altLang="en-US"/>
+              <a:t>解释运行三地址码</a:t>
+            </a:r>
+            <a:endParaRPr lang="x-none" altLang="en-US"/>
           </a:p>
         </p:txBody>
       </p:sp>
@@ -5061,91 +4962,20 @@
             <p:ph type="title"/>
           </p:nvPr>
         </p:nvSpPr>
-        <p:spPr/>
-        <p:txBody>
-          <a:bodyPr/>
-          <a:p>
-            <a:r>
-              <a:rPr lang="x-none" altLang="en-US"/>
-              <a:t>完成进度</a:t>
-            </a:r>
-            <a:endParaRPr lang="x-none" altLang="en-US"/>
-          </a:p>
-        </p:txBody>
-      </p:sp>
-      <p:sp>
-        <p:nvSpPr>
-          <p:cNvPr id="3" name="Content Placeholder 2"/>
-          <p:cNvSpPr>
-            <a:spLocks noGrp="1"/>
-          </p:cNvSpPr>
-          <p:nvPr>
-            <p:ph idx="1"/>
-          </p:nvPr>
-        </p:nvSpPr>
-        <p:spPr/>
-        <p:txBody>
-          <a:bodyPr/>
-          <a:p>
-            <a:r>
-              <a:rPr lang="x-none" altLang="en-US"/>
-              <a:t>定义MiniC语法和中间代码格式</a:t>
-            </a:r>
-            <a:endParaRPr lang="x-none" altLang="en-US"/>
-          </a:p>
-          <a:p>
-            <a:pPr lvl="1"/>
-            <a:r>
-              <a:rPr lang="x-none" altLang="en-US" sz="2800"/>
-              <a:t>中间代码选用自定义的三地址码</a:t>
-            </a:r>
-            <a:endParaRPr lang="x-none" altLang="en-US" sz="2800"/>
-          </a:p>
-          <a:p>
-            <a:pPr lvl="1"/>
-            <a:r>
-              <a:rPr lang="x-none" altLang="zh-CN" dirty="0" smtClean="0">
-                <a:sym typeface="+mn-ea"/>
-              </a:rPr>
-              <a:t>定义了一套类似编译课程上所讲的三地址码</a:t>
-            </a:r>
-            <a:endParaRPr lang="x-none" altLang="en-US" sz="2800"/>
-          </a:p>
-          <a:p>
-            <a:endParaRPr lang="x-none" altLang="en-US"/>
-          </a:p>
-          <a:p>
-            <a:r>
-              <a:rPr lang="x-none" altLang="en-US"/>
-              <a:t>MiniC前端工作</a:t>
-            </a:r>
-            <a:endParaRPr lang="x-none" altLang="en-US"/>
-          </a:p>
-          <a:p>
-            <a:pPr lvl="1"/>
-            <a:r>
-              <a:rPr lang="x-none" altLang="en-US"/>
-              <a:t>MiniC 转 三地址码</a:t>
-            </a:r>
-            <a:endParaRPr lang="x-none" altLang="en-US"/>
-          </a:p>
-          <a:p>
-            <a:endParaRPr lang="x-none" altLang="en-US"/>
-          </a:p>
-          <a:p>
-            <a:r>
-              <a:rPr lang="x-none" altLang="en-US"/>
-              <a:t>三地址码模拟器</a:t>
-            </a:r>
-            <a:endParaRPr lang="x-none" altLang="en-US"/>
-          </a:p>
-          <a:p>
-            <a:pPr lvl="1"/>
-            <a:r>
-              <a:rPr lang="x-none" altLang="en-US"/>
-              <a:t>解释运行三地址码</a:t>
-            </a:r>
-            <a:endParaRPr lang="x-none" altLang="en-US"/>
+        <p:spPr>
+          <a:xfrm>
+            <a:off x="5303520" y="2891790"/>
+            <a:ext cx="1566545" cy="582930"/>
+          </a:xfrm>
+        </p:spPr>
+        <p:txBody>
+          <a:bodyPr/>
+          <a:p>
+            <a:r>
+              <a:rPr lang="x-none" altLang="en-US" sz="5400"/>
+              <a:t>演示</a:t>
+            </a:r>
+            <a:endParaRPr lang="x-none" altLang="en-US" sz="5400"/>
           </a:p>
         </p:txBody>
       </p:sp>
@@ -5177,20 +5007,73 @@
             <p:ph type="title"/>
           </p:nvPr>
         </p:nvSpPr>
-        <p:spPr>
-          <a:xfrm>
-            <a:off x="5303520" y="2891790"/>
-            <a:ext cx="1566545" cy="582930"/>
-          </a:xfrm>
-        </p:spPr>
-        <p:txBody>
-          <a:bodyPr/>
-          <a:p>
-            <a:r>
-              <a:rPr lang="x-none" altLang="en-US" sz="5400"/>
-              <a:t>演示</a:t>
-            </a:r>
-            <a:endParaRPr lang="x-none" altLang="en-US" sz="5400"/>
+        <p:spPr/>
+        <p:txBody>
+          <a:bodyPr/>
+          <a:p>
+            <a:r>
+              <a:rPr lang="x-none" altLang="en-US"/>
+              <a:t>小组分工</a:t>
+            </a:r>
+            <a:endParaRPr lang="x-none" altLang="en-US"/>
+          </a:p>
+        </p:txBody>
+      </p:sp>
+      <p:sp>
+        <p:nvSpPr>
+          <p:cNvPr id="3" name="Content Placeholder 2"/>
+          <p:cNvSpPr>
+            <a:spLocks noGrp="1"/>
+          </p:cNvSpPr>
+          <p:nvPr>
+            <p:ph idx="1"/>
+          </p:nvPr>
+        </p:nvSpPr>
+        <p:spPr/>
+        <p:txBody>
+          <a:bodyPr/>
+          <a:p>
+            <a:r>
+              <a:rPr lang="x-none" altLang="en-US" sz="3200">
+                <a:sym typeface="+mn-ea"/>
+              </a:rPr>
+              <a:t>MiniC前端</a:t>
+            </a:r>
+            <a:endParaRPr lang="x-none" altLang="en-US" sz="3200"/>
+          </a:p>
+          <a:p>
+            <a:pPr lvl="1"/>
+            <a:r>
+              <a:rPr lang="x-none" altLang="en-US" sz="3200">
+                <a:sym typeface="+mn-ea"/>
+              </a:rPr>
+              <a:t>李佳蔚、梁家硕</a:t>
+            </a:r>
+            <a:endParaRPr lang="x-none" altLang="en-US" sz="3200">
+              <a:sym typeface="+mn-ea"/>
+            </a:endParaRPr>
+          </a:p>
+          <a:p>
+            <a:pPr lvl="1"/>
+            <a:endParaRPr lang="x-none" altLang="en-US"/>
+          </a:p>
+          <a:p>
+            <a:r>
+              <a:rPr lang="x-none" altLang="en-US"/>
+              <a:t>三地址码模拟器</a:t>
+            </a:r>
+            <a:endParaRPr lang="x-none" altLang="en-US"/>
+          </a:p>
+          <a:p>
+            <a:pPr lvl="1"/>
+            <a:r>
+              <a:rPr lang="x-none" altLang="en-US" sz="2800"/>
+              <a:t>李汪洋</a:t>
+            </a:r>
+            <a:endParaRPr lang="x-none" altLang="en-US" sz="2800"/>
+          </a:p>
+          <a:p>
+            <a:endParaRPr lang="x-none" altLang="en-US"/>
           </a:p>
         </p:txBody>
       </p:sp>
@@ -5227,104 +5110,6 @@
           <a:bodyPr/>
           <a:p>
             <a:r>
-              <a:rPr lang="x-none" altLang="en-US"/>
-              <a:t>小组分工</a:t>
-            </a:r>
-            <a:endParaRPr lang="x-none" altLang="en-US"/>
-          </a:p>
-        </p:txBody>
-      </p:sp>
-      <p:sp>
-        <p:nvSpPr>
-          <p:cNvPr id="3" name="Content Placeholder 2"/>
-          <p:cNvSpPr>
-            <a:spLocks noGrp="1"/>
-          </p:cNvSpPr>
-          <p:nvPr>
-            <p:ph idx="1"/>
-          </p:nvPr>
-        </p:nvSpPr>
-        <p:spPr/>
-        <p:txBody>
-          <a:bodyPr/>
-          <a:p>
-            <a:r>
-              <a:rPr lang="x-none" altLang="en-US" sz="3200">
-                <a:sym typeface="+mn-ea"/>
-              </a:rPr>
-              <a:t>MiniC前端</a:t>
-            </a:r>
-            <a:endParaRPr lang="x-none" altLang="en-US" sz="3200"/>
-          </a:p>
-          <a:p>
-            <a:pPr lvl="1"/>
-            <a:r>
-              <a:rPr lang="x-none" altLang="en-US" sz="3200">
-                <a:sym typeface="+mn-ea"/>
-              </a:rPr>
-              <a:t>李佳蔚、梁家硕</a:t>
-            </a:r>
-            <a:endParaRPr lang="x-none" altLang="en-US" sz="3200">
-              <a:sym typeface="+mn-ea"/>
-            </a:endParaRPr>
-          </a:p>
-          <a:p>
-            <a:pPr lvl="1"/>
-            <a:endParaRPr lang="x-none" altLang="en-US"/>
-          </a:p>
-          <a:p>
-            <a:r>
-              <a:rPr lang="x-none" altLang="en-US"/>
-              <a:t>三地址码模拟器</a:t>
-            </a:r>
-            <a:endParaRPr lang="x-none" altLang="en-US"/>
-          </a:p>
-          <a:p>
-            <a:pPr lvl="1"/>
-            <a:r>
-              <a:rPr lang="x-none" altLang="en-US" sz="2800"/>
-              <a:t>李汪洋</a:t>
-            </a:r>
-            <a:endParaRPr lang="x-none" altLang="en-US" sz="2800"/>
-          </a:p>
-          <a:p>
-            <a:endParaRPr lang="x-none" altLang="en-US"/>
-          </a:p>
-        </p:txBody>
-      </p:sp>
-    </p:spTree>
-  </p:cSld>
-  <p:clrMapOvr>
-    <a:masterClrMapping/>
-  </p:clrMapOvr>
-</p:sld>
-</file>
-
-<file path=ppt/slides/slide6.xml><?xml version="1.0" encoding="utf-8"?>
-<p:sld xmlns:a="http://schemas.openxmlformats.org/drawingml/2006/main" xmlns:r="http://schemas.openxmlformats.org/officeDocument/2006/relationships" xmlns:p="http://schemas.openxmlformats.org/presentationml/2006/main">
-  <p:cSld>
-    <p:spTree>
-      <p:nvGrpSpPr>
-        <p:cNvPr id="1" name=""/>
-        <p:cNvGrpSpPr/>
-        <p:nvPr/>
-      </p:nvGrpSpPr>
-      <p:grpSpPr/>
-      <p:sp>
-        <p:nvSpPr>
-          <p:cNvPr id="2" name="Title 1"/>
-          <p:cNvSpPr>
-            <a:spLocks noGrp="1"/>
-          </p:cNvSpPr>
-          <p:nvPr>
-            <p:ph type="title"/>
-          </p:nvPr>
-        </p:nvSpPr>
-        <p:spPr/>
-        <p:txBody>
-          <a:bodyPr/>
-          <a:p>
-            <a:r>
               <a:rPr lang="x-none" altLang="en-US">
                 <a:sym typeface="+mn-ea"/>
               </a:rPr>
@@ -5352,7 +5137,7 @@
               <a:rPr lang="x-none" altLang="en-US">
                 <a:sym typeface="+mn-ea"/>
               </a:rPr>
-              <a:t>一些C语言不容易实现且不常用的语法</a:t>
+              <a:t>一些C语言不太容易实现且不常用的语法</a:t>
             </a:r>
             <a:endParaRPr lang="x-none" altLang="en-US"/>
           </a:p>
@@ -5446,6 +5231,118 @@
 </p:sld>
 </file>
 
+<file path=ppt/slides/slide6.xml><?xml version="1.0" encoding="utf-8"?>
+<p:sld xmlns:a="http://schemas.openxmlformats.org/drawingml/2006/main" xmlns:r="http://schemas.openxmlformats.org/officeDocument/2006/relationships" xmlns:p="http://schemas.openxmlformats.org/presentationml/2006/main">
+  <p:cSld>
+    <p:spTree>
+      <p:nvGrpSpPr>
+        <p:cNvPr id="1" name=""/>
+        <p:cNvGrpSpPr/>
+        <p:nvPr/>
+      </p:nvGrpSpPr>
+      <p:grpSpPr/>
+      <p:sp>
+        <p:nvSpPr>
+          <p:cNvPr id="2" name="Title 1"/>
+          <p:cNvSpPr>
+            <a:spLocks noGrp="1"/>
+          </p:cNvSpPr>
+          <p:nvPr>
+            <p:ph type="title"/>
+          </p:nvPr>
+        </p:nvSpPr>
+        <p:spPr/>
+        <p:txBody>
+          <a:bodyPr/>
+          <a:p>
+            <a:r>
+              <a:rPr lang="x-none" altLang="en-US"/>
+              <a:t>遇到的问题和解决方案</a:t>
+            </a:r>
+            <a:endParaRPr lang="x-none" altLang="en-US"/>
+          </a:p>
+        </p:txBody>
+      </p:sp>
+      <p:sp>
+        <p:nvSpPr>
+          <p:cNvPr id="3" name="Content Placeholder 2"/>
+          <p:cNvSpPr>
+            <a:spLocks noGrp="1"/>
+          </p:cNvSpPr>
+          <p:nvPr>
+            <p:ph idx="1"/>
+          </p:nvPr>
+        </p:nvSpPr>
+        <p:spPr/>
+        <p:txBody>
+          <a:bodyPr/>
+          <a:p>
+            <a:r>
+              <a:rPr lang="x-none" altLang="en-US"/>
+              <a:t>C语言与on-the-fly翻译</a:t>
+            </a:r>
+            <a:r>
+              <a:rPr lang="x-none" altLang="en-US">
+                <a:sym typeface="+mn-ea"/>
+              </a:rPr>
+              <a:t>模式的问题</a:t>
+            </a:r>
+            <a:endParaRPr lang="x-none" altLang="en-US">
+              <a:sym typeface="+mn-ea"/>
+            </a:endParaRPr>
+          </a:p>
+          <a:p>
+            <a:pPr lvl="1"/>
+            <a:r>
+              <a:rPr lang="x-none" altLang="en-US">
+                <a:sym typeface="+mn-ea"/>
+              </a:rPr>
+              <a:t>在C语言里，if括号里的表达式不一定是纯粹的布尔表达式，比如可以写成 if (a+b) 和 if (a=1) </a:t>
+            </a:r>
+            <a:endParaRPr lang="x-none" altLang="en-US">
+              <a:sym typeface="+mn-ea"/>
+            </a:endParaRPr>
+          </a:p>
+          <a:p>
+            <a:pPr lvl="1"/>
+            <a:r>
+              <a:rPr lang="x-none" altLang="en-US"/>
+              <a:t>C语言中实际上不区分布尔表达式与其他表达式</a:t>
+            </a:r>
+            <a:endParaRPr lang="x-none" altLang="en-US"/>
+          </a:p>
+          <a:p>
+            <a:pPr lvl="1"/>
+            <a:r>
+              <a:rPr lang="x-none" altLang="en-US"/>
+              <a:t>所以所有表达式都需要维护truelist,falselist，每规约产生一个expression都需要产出goto，导致需要产出大量无用的goto</a:t>
+            </a:r>
+            <a:r>
+              <a:rPr lang="x-none" altLang="en-US">
+                <a:sym typeface="+mn-ea"/>
+              </a:rPr>
+              <a:t>语句</a:t>
+            </a:r>
+            <a:endParaRPr lang="x-none" altLang="en-US"/>
+          </a:p>
+          <a:p>
+            <a:pPr lvl="1"/>
+            <a:r>
+              <a:rPr lang="x-none" altLang="en-US"/>
+              <a:t>这个问题似乎也没法通过传继承属性的方式解决，因为yacc使用LALR(1)分析，如果每个expression前面都加一个空产生式的话会有大量规约冲突</a:t>
+            </a:r>
+            <a:endParaRPr lang="x-none" altLang="en-US"/>
+          </a:p>
+        </p:txBody>
+      </p:sp>
+    </p:spTree>
+  </p:cSld>
+  <p:clrMapOvr>
+    <a:masterClrMapping/>
+  </p:clrMapOvr>
+</p:sld>
+</file>
+
 <file path=ppt/slides/slide7.xml><?xml version="1.0" encoding="utf-8"?>
 <p:sld xmlns:a="http://schemas.openxmlformats.org/drawingml/2006/main" xmlns:r="http://schemas.openxmlformats.org/officeDocument/2006/relationships" xmlns:p="http://schemas.openxmlformats.org/presentationml/2006/main">
   <p:cSld>
@@ -5492,60 +5389,53 @@
         <p:txBody>
           <a:bodyPr/>
           <a:p>
+            <a:pPr marL="0" indent="0">
+              <a:buNone/>
+            </a:pPr>
             <a:r>
               <a:rPr lang="x-none" altLang="en-US"/>
-              <a:t>C语言与on-the-fly翻译</a:t>
-            </a:r>
-            <a:r>
-              <a:rPr lang="x-none" altLang="en-US">
+              <a:t>解决方案一：使用非on-the-fly翻译模式，把生成的三地址代码保存在变量里。</a:t>
+            </a:r>
+            <a:endParaRPr lang="x-none" altLang="en-US"/>
+          </a:p>
+          <a:p>
+            <a:pPr marL="0" indent="0">
+              <a:buNone/>
+            </a:pPr>
+            <a:endParaRPr lang="x-none" altLang="en-US"/>
+          </a:p>
+          <a:p>
+            <a:pPr marL="0" indent="0">
+              <a:buNone/>
+            </a:pPr>
+            <a:r>
+              <a:rPr lang="x-none" altLang="en-US"/>
+              <a:t>解决方案二</a:t>
+            </a:r>
+            <a:r>
+              <a:rPr lang="x-none" altLang="en-US" sz="1600"/>
+              <a:t>(实际</a:t>
+            </a:r>
+            <a:r>
+              <a:rPr lang="x-none" altLang="en-US" sz="1600">
                 <a:sym typeface="+mn-ea"/>
               </a:rPr>
-              <a:t>模式的问题</a:t>
-            </a:r>
-            <a:endParaRPr lang="x-none" altLang="en-US">
-              <a:sym typeface="+mn-ea"/>
-            </a:endParaRPr>
-          </a:p>
-          <a:p>
-            <a:pPr lvl="1"/>
-            <a:r>
-              <a:rPr lang="x-none" altLang="en-US">
-                <a:sym typeface="+mn-ea"/>
-              </a:rPr>
-              <a:t>在C语言里，if括号里的表达式不一定是纯粹的布尔表达式，比如可以写成 if (a+b) 和 if (a=1) </a:t>
-            </a:r>
-            <a:endParaRPr lang="x-none" altLang="en-US">
-              <a:sym typeface="+mn-ea"/>
-            </a:endParaRPr>
-          </a:p>
-          <a:p>
-            <a:pPr lvl="1"/>
+              <a:t>采用</a:t>
+            </a:r>
+            <a:r>
+              <a:rPr lang="x-none" altLang="en-US" sz="1600"/>
+              <a:t>)</a:t>
+            </a:r>
             <a:r>
               <a:rPr lang="x-none" altLang="en-US"/>
-              <a:t>C语言中实际上不区分布尔表达式与其他表达式</a:t>
+              <a:t>：仍用on-the-fly翻译模式，但不使用回填技术。先计算表达式的值，然后再判断。</a:t>
             </a:r>
             <a:endParaRPr lang="x-none" altLang="en-US"/>
           </a:p>
           <a:p>
-            <a:pPr lvl="1"/>
-            <a:r>
-              <a:rPr lang="x-none" altLang="en-US"/>
-              <a:t>所以所有表达式都需要维护truelist,falselist，每规约产生一个expression都需要产出goto，导致需要产出大量无用的goto</a:t>
-            </a:r>
-            <a:r>
-              <a:rPr lang="x-none" altLang="en-US">
-                <a:sym typeface="+mn-ea"/>
-              </a:rPr>
-              <a:t>语句</a:t>
-            </a:r>
-            <a:endParaRPr lang="x-none" altLang="en-US"/>
-          </a:p>
-          <a:p>
-            <a:pPr lvl="1"/>
-            <a:r>
-              <a:rPr lang="x-none" altLang="en-US"/>
-              <a:t>这个问题似乎也没法通过传继承属性的方式解决，因为yacc使用LALR(1)分析，如果每个expression前面都加一个空产生式的话会有大量规约冲突</a:t>
-            </a:r>
+            <a:pPr marL="0" indent="0">
+              <a:buNone/>
+            </a:pPr>
             <a:endParaRPr lang="x-none" altLang="en-US"/>
           </a:p>
         </p:txBody>
@@ -5584,7 +5474,7 @@
           <a:p>
             <a:r>
               <a:rPr lang="x-none" altLang="en-US"/>
-              <a:t>遇到的问题和解决方案</a:t>
+              <a:t>尚未解决的问题</a:t>
             </a:r>
             <a:endParaRPr lang="x-none" altLang="en-US"/>
           </a:p>
@@ -5600,57 +5490,50 @@
             <p:ph idx="1"/>
           </p:nvPr>
         </p:nvSpPr>
-        <p:spPr/>
-        <p:txBody>
-          <a:bodyPr/>
-          <a:p>
-            <a:pPr marL="0" indent="0">
-              <a:buNone/>
-            </a:pPr>
+        <p:spPr>
+          <a:xfrm>
+            <a:off x="609600" y="1193800"/>
+            <a:ext cx="10972800" cy="4953000"/>
+          </a:xfrm>
+        </p:spPr>
+        <p:txBody>
+          <a:bodyPr/>
+          <a:p>
             <a:r>
               <a:rPr lang="x-none" altLang="en-US"/>
-              <a:t>解决方案一：使用非on-the-fly翻译模式，把生成的三地址代码保存在变量里。</a:t>
+              <a:t>前端的一些问题</a:t>
             </a:r>
             <a:endParaRPr lang="x-none" altLang="en-US"/>
           </a:p>
           <a:p>
-            <a:pPr marL="0" indent="0">
-              <a:buNone/>
-            </a:pPr>
-            <a:endParaRPr lang="x-none" altLang="en-US"/>
-          </a:p>
-          <a:p>
-            <a:pPr marL="0" indent="0">
-              <a:buNone/>
-            </a:pPr>
-            <a:r>
-              <a:rPr lang="x-none" altLang="en-US"/>
-              <a:t>解决方案二</a:t>
-            </a:r>
-            <a:r>
-              <a:rPr lang="x-none" altLang="en-US" sz="1600"/>
-              <a:t>(实际</a:t>
-            </a:r>
-            <a:r>
-              <a:rPr lang="x-none" altLang="en-US" sz="1600">
+            <a:pPr lvl="1"/>
+            <a:r>
+              <a:rPr lang="x-none" altLang="en-US">
                 <a:sym typeface="+mn-ea"/>
               </a:rPr>
-              <a:t>采用</a:t>
-            </a:r>
-            <a:r>
-              <a:rPr lang="x-none" altLang="en-US" sz="1600"/>
-              <a:t>)</a:t>
-            </a:r>
+              <a:t>不太容易处理的C语法(如goto)</a:t>
+            </a:r>
+            <a:endParaRPr lang="x-none" altLang="en-US"/>
+          </a:p>
+          <a:p>
+            <a:pPr lvl="1"/>
+            <a:endParaRPr lang="x-none" altLang="en-US"/>
+          </a:p>
+          <a:p>
             <a:r>
               <a:rPr lang="x-none" altLang="en-US"/>
-              <a:t>：仍用on-the-fly翻译模式，但不使用回填技术。先计算表达式的值，然后再判断。</a:t>
+              <a:t>三地址码模拟器可能存在的一些bug</a:t>
             </a:r>
             <a:endParaRPr lang="x-none" altLang="en-US"/>
           </a:p>
           <a:p>
-            <a:pPr marL="0" indent="0">
-              <a:buNone/>
-            </a:pPr>
+            <a:endParaRPr lang="x-none" altLang="en-US"/>
+          </a:p>
+          <a:p>
+            <a:r>
+              <a:rPr lang="x-none" altLang="en-US"/>
+              <a:t>C语言类型太多，类型检查繁琐(常量计算)</a:t>
+            </a:r>
             <a:endParaRPr lang="x-none" altLang="en-US"/>
           </a:p>
         </p:txBody>
@@ -5689,7 +5572,7 @@
           <a:p>
             <a:r>
               <a:rPr lang="x-none" altLang="en-US"/>
-              <a:t>尚未解决的问题</a:t>
+              <a:t>工作目的</a:t>
             </a:r>
             <a:endParaRPr lang="x-none" altLang="en-US"/>
           </a:p>
@@ -5705,71 +5588,70 @@
             <p:ph idx="1"/>
           </p:nvPr>
         </p:nvSpPr>
-        <p:spPr>
-          <a:xfrm>
-            <a:off x="609600" y="1193800"/>
-            <a:ext cx="10972800" cy="4953000"/>
-          </a:xfrm>
-        </p:spPr>
-        <p:txBody>
-          <a:bodyPr/>
-          <a:p>
-            <a:r>
-              <a:rPr lang="x-none" altLang="en-US"/>
-              <a:t>前端的一些bug</a:t>
-            </a:r>
-            <a:endParaRPr lang="x-none" altLang="en-US"/>
-          </a:p>
-          <a:p>
-            <a:pPr lvl="1"/>
-            <a:r>
-              <a:rPr lang="x-none" altLang="en-US">
+        <p:spPr/>
+        <p:txBody>
+          <a:bodyPr/>
+          <a:p>
+            <a:pPr>
+              <a:lnSpc>
+                <a:spcPct val="160000"/>
+              </a:lnSpc>
+            </a:pPr>
+            <a:r>
+              <a:rPr lang="zh-CN" altLang="en-US" dirty="0" smtClean="0">
                 <a:sym typeface="+mn-ea"/>
               </a:rPr>
-              <a:t>不太容易处理的C语法</a:t>
-            </a:r>
-            <a:endParaRPr lang="x-none" altLang="en-US">
+              <a:t>根据现行的正课教学进度，重新合理的分配课程项目任务。</a:t>
+            </a:r>
+            <a:endParaRPr lang="zh-CN" altLang="en-US" dirty="0" smtClean="0">
               <a:sym typeface="+mn-ea"/>
             </a:endParaRPr>
           </a:p>
           <a:p>
-            <a:pPr lvl="1"/>
-            <a:r>
-              <a:rPr lang="x-none" altLang="en-US"/>
-              <a:t>部分指针和</a:t>
-            </a:r>
-            <a:r>
-              <a:rPr lang="x-none" altLang="en-US">
+            <a:pPr lvl="1">
+              <a:lnSpc>
+                <a:spcPct val="160000"/>
+              </a:lnSpc>
+            </a:pPr>
+            <a:r>
+              <a:rPr lang="x-none" altLang="zh-CN" sz="2800" dirty="0" smtClean="0">
                 <a:sym typeface="+mn-ea"/>
               </a:rPr>
-              <a:t>const语句</a:t>
-            </a:r>
-            <a:r>
-              <a:rPr lang="x-none" altLang="en-US"/>
-              <a:t>相关的翻译</a:t>
-            </a:r>
-            <a:endParaRPr lang="x-none" altLang="en-US"/>
-          </a:p>
-          <a:p>
-            <a:pPr lvl="1"/>
-            <a:endParaRPr lang="x-none" altLang="en-US"/>
-          </a:p>
-          <a:p>
-            <a:r>
-              <a:rPr lang="x-none" altLang="en-US"/>
-              <a:t>三地址码模拟器的一些bug</a:t>
-            </a:r>
-            <a:endParaRPr lang="x-none" altLang="en-US"/>
-          </a:p>
-          <a:p>
-            <a:endParaRPr lang="x-none" altLang="en-US"/>
-          </a:p>
-          <a:p>
-            <a:r>
-              <a:rPr lang="x-none" altLang="en-US"/>
-              <a:t>C语言类型太多，类型检查繁琐</a:t>
-            </a:r>
-            <a:endParaRPr lang="x-none" altLang="en-US"/>
+              <a:t>MiniC语法比MiniJava语法更多样化，加大了学生前端的工作量。</a:t>
+            </a:r>
+            <a:endParaRPr lang="x-none" altLang="zh-CN" sz="2800" dirty="0" smtClean="0">
+              <a:sym typeface="+mn-ea"/>
+            </a:endParaRPr>
+          </a:p>
+          <a:p>
+            <a:pPr lvl="1">
+              <a:lnSpc>
+                <a:spcPct val="160000"/>
+              </a:lnSpc>
+            </a:pPr>
+            <a:r>
+              <a:rPr lang="x-none" altLang="zh-CN" sz="2800" dirty="0" smtClean="0">
+                <a:sym typeface="+mn-ea"/>
+              </a:rPr>
+              <a:t>提供测试程序，简化翻译流程，减少后端工作量。</a:t>
+            </a:r>
+            <a:endParaRPr lang="x-none" altLang="zh-CN" sz="2800" dirty="0" smtClean="0">
+              <a:sym typeface="+mn-ea"/>
+            </a:endParaRPr>
+          </a:p>
+          <a:p>
+            <a:pPr>
+              <a:lnSpc>
+                <a:spcPct val="160000"/>
+              </a:lnSpc>
+            </a:pPr>
+            <a:r>
+              <a:rPr lang="zh-CN" altLang="en-US" dirty="0" smtClean="0">
+                <a:sym typeface="+mn-ea"/>
+              </a:rPr>
+              <a:t>将任务模块化，单独对某一阶段知识点进行实践测试，避免项目前面遗留问题对后期进度的影响。</a:t>
+            </a:r>
+            <a:endParaRPr lang="en-US"/>
           </a:p>
         </p:txBody>
       </p:sp>
